--- a/presentacion_2_video.pptx
+++ b/presentacion_2_video.pptx
@@ -63,7 +63,7 @@
       </p:grpSpPr>
       <p:sp>
         <p:nvSpPr>
-          <p:cNvPr id="26" name="PlaceHolder 1"/>
+          <p:cNvPr id="23" name="PlaceHolder 1"/>
           <p:cNvSpPr>
             <a:spLocks noGrp="1"/>
           </p:cNvSpPr>
@@ -73,8 +73,8 @@
         </p:nvSpPr>
         <p:spPr>
           <a:xfrm>
-            <a:off x="838080" y="365040"/>
-            <a:ext cx="10515240" cy="1325160"/>
+            <a:off x="609480" y="273600"/>
+            <a:ext cx="10972440" cy="1144800"/>
           </a:xfrm>
           <a:prstGeom prst="rect">
             <a:avLst/>
@@ -83,23 +83,24 @@
         <p:txBody>
           <a:bodyPr lIns="0" rIns="0" tIns="0" bIns="0" anchor="ctr"/>
           <a:p>
-            <a:endParaRPr b="0" lang="es-CR" sz="1800" spc="-1" strike="noStrike">
-              <a:solidFill>
-                <a:srgbClr val="000000"/>
-              </a:solidFill>
-              <a:uFill>
-                <a:solidFill>
-                  <a:srgbClr val="ffffff"/>
-                </a:solidFill>
-              </a:uFill>
-              <a:latin typeface="Calibri"/>
-            </a:endParaRPr>
-          </a:p>
-        </p:txBody>
-      </p:sp>
-      <p:sp>
-        <p:nvSpPr>
-          <p:cNvPr id="27" name="PlaceHolder 2"/>
+            <a:pPr algn="ctr"/>
+            <a:endParaRPr b="0" lang="en-US" sz="4400" spc="-1" strike="noStrike">
+              <a:solidFill>
+                <a:srgbClr val="ffffff"/>
+              </a:solidFill>
+              <a:uFill>
+                <a:solidFill>
+                  <a:srgbClr val="ffffff"/>
+                </a:solidFill>
+              </a:uFill>
+              <a:latin typeface="Arial"/>
+            </a:endParaRPr>
+          </a:p>
+        </p:txBody>
+      </p:sp>
+      <p:sp>
+        <p:nvSpPr>
+          <p:cNvPr id="24" name="PlaceHolder 2"/>
           <p:cNvSpPr>
             <a:spLocks noGrp="1"/>
           </p:cNvSpPr>
@@ -109,8 +110,8 @@
         </p:nvSpPr>
         <p:spPr>
           <a:xfrm>
-            <a:off x="838080" y="1825560"/>
-            <a:ext cx="10515240" cy="2075040"/>
+            <a:off x="609480" y="1604520"/>
+            <a:ext cx="10972440" cy="1896840"/>
           </a:xfrm>
           <a:prstGeom prst="rect">
             <a:avLst/>
@@ -119,23 +120,23 @@
         <p:txBody>
           <a:bodyPr lIns="0" rIns="0" tIns="0" bIns="0"/>
           <a:p>
-            <a:endParaRPr b="0" lang="es-CR" sz="2800" spc="-1" strike="noStrike">
-              <a:solidFill>
-                <a:srgbClr val="000000"/>
-              </a:solidFill>
-              <a:uFill>
-                <a:solidFill>
-                  <a:srgbClr val="ffffff"/>
-                </a:solidFill>
-              </a:uFill>
-              <a:latin typeface="Calibri"/>
-            </a:endParaRPr>
-          </a:p>
-        </p:txBody>
-      </p:sp>
-      <p:sp>
-        <p:nvSpPr>
-          <p:cNvPr id="28" name="PlaceHolder 3"/>
+            <a:endParaRPr b="0" lang="en-US" sz="3200" spc="-1" strike="noStrike">
+              <a:solidFill>
+                <a:srgbClr val="ffffff"/>
+              </a:solidFill>
+              <a:uFill>
+                <a:solidFill>
+                  <a:srgbClr val="ffffff"/>
+                </a:solidFill>
+              </a:uFill>
+              <a:latin typeface="Arial"/>
+            </a:endParaRPr>
+          </a:p>
+        </p:txBody>
+      </p:sp>
+      <p:sp>
+        <p:nvSpPr>
+          <p:cNvPr id="25" name="PlaceHolder 3"/>
           <p:cNvSpPr>
             <a:spLocks noGrp="1"/>
           </p:cNvSpPr>
@@ -145,8 +146,8 @@
         </p:nvSpPr>
         <p:spPr>
           <a:xfrm>
-            <a:off x="838080" y="4098240"/>
-            <a:ext cx="10515240" cy="2075040"/>
+            <a:off x="609480" y="3682080"/>
+            <a:ext cx="10972440" cy="1896840"/>
           </a:xfrm>
           <a:prstGeom prst="rect">
             <a:avLst/>
@@ -155,16 +156,16 @@
         <p:txBody>
           <a:bodyPr lIns="0" rIns="0" tIns="0" bIns="0"/>
           <a:p>
-            <a:endParaRPr b="0" lang="es-CR" sz="2800" spc="-1" strike="noStrike">
-              <a:solidFill>
-                <a:srgbClr val="000000"/>
-              </a:solidFill>
-              <a:uFill>
-                <a:solidFill>
-                  <a:srgbClr val="ffffff"/>
-                </a:solidFill>
-              </a:uFill>
-              <a:latin typeface="Calibri"/>
+            <a:endParaRPr b="0" lang="en-US" sz="3200" spc="-1" strike="noStrike">
+              <a:solidFill>
+                <a:srgbClr val="ffffff"/>
+              </a:solidFill>
+              <a:uFill>
+                <a:solidFill>
+                  <a:srgbClr val="ffffff"/>
+                </a:solidFill>
+              </a:uFill>
+              <a:latin typeface="Arial"/>
             </a:endParaRPr>
           </a:p>
         </p:txBody>
@@ -193,7 +194,7 @@
       </p:grpSpPr>
       <p:sp>
         <p:nvSpPr>
-          <p:cNvPr id="29" name="PlaceHolder 1"/>
+          <p:cNvPr id="26" name="PlaceHolder 1"/>
           <p:cNvSpPr>
             <a:spLocks noGrp="1"/>
           </p:cNvSpPr>
@@ -203,8 +204,8 @@
         </p:nvSpPr>
         <p:spPr>
           <a:xfrm>
-            <a:off x="838080" y="365040"/>
-            <a:ext cx="10515240" cy="1325160"/>
+            <a:off x="609480" y="273600"/>
+            <a:ext cx="10972440" cy="1144800"/>
           </a:xfrm>
           <a:prstGeom prst="rect">
             <a:avLst/>
@@ -213,23 +214,24 @@
         <p:txBody>
           <a:bodyPr lIns="0" rIns="0" tIns="0" bIns="0" anchor="ctr"/>
           <a:p>
-            <a:endParaRPr b="0" lang="es-CR" sz="1800" spc="-1" strike="noStrike">
-              <a:solidFill>
-                <a:srgbClr val="000000"/>
-              </a:solidFill>
-              <a:uFill>
-                <a:solidFill>
-                  <a:srgbClr val="ffffff"/>
-                </a:solidFill>
-              </a:uFill>
-              <a:latin typeface="Calibri"/>
-            </a:endParaRPr>
-          </a:p>
-        </p:txBody>
-      </p:sp>
-      <p:sp>
-        <p:nvSpPr>
-          <p:cNvPr id="30" name="PlaceHolder 2"/>
+            <a:pPr algn="ctr"/>
+            <a:endParaRPr b="0" lang="en-US" sz="4400" spc="-1" strike="noStrike">
+              <a:solidFill>
+                <a:srgbClr val="ffffff"/>
+              </a:solidFill>
+              <a:uFill>
+                <a:solidFill>
+                  <a:srgbClr val="ffffff"/>
+                </a:solidFill>
+              </a:uFill>
+              <a:latin typeface="Arial"/>
+            </a:endParaRPr>
+          </a:p>
+        </p:txBody>
+      </p:sp>
+      <p:sp>
+        <p:nvSpPr>
+          <p:cNvPr id="27" name="PlaceHolder 2"/>
           <p:cNvSpPr>
             <a:spLocks noGrp="1"/>
           </p:cNvSpPr>
@@ -239,8 +241,8 @@
         </p:nvSpPr>
         <p:spPr>
           <a:xfrm>
-            <a:off x="838080" y="1825560"/>
-            <a:ext cx="5131080" cy="2075040"/>
+            <a:off x="609480" y="1604520"/>
+            <a:ext cx="5354280" cy="1896840"/>
           </a:xfrm>
           <a:prstGeom prst="rect">
             <a:avLst/>
@@ -249,23 +251,23 @@
         <p:txBody>
           <a:bodyPr lIns="0" rIns="0" tIns="0" bIns="0"/>
           <a:p>
-            <a:endParaRPr b="0" lang="es-CR" sz="2800" spc="-1" strike="noStrike">
-              <a:solidFill>
-                <a:srgbClr val="000000"/>
-              </a:solidFill>
-              <a:uFill>
-                <a:solidFill>
-                  <a:srgbClr val="ffffff"/>
-                </a:solidFill>
-              </a:uFill>
-              <a:latin typeface="Calibri"/>
-            </a:endParaRPr>
-          </a:p>
-        </p:txBody>
-      </p:sp>
-      <p:sp>
-        <p:nvSpPr>
-          <p:cNvPr id="31" name="PlaceHolder 3"/>
+            <a:endParaRPr b="0" lang="en-US" sz="3200" spc="-1" strike="noStrike">
+              <a:solidFill>
+                <a:srgbClr val="ffffff"/>
+              </a:solidFill>
+              <a:uFill>
+                <a:solidFill>
+                  <a:srgbClr val="ffffff"/>
+                </a:solidFill>
+              </a:uFill>
+              <a:latin typeface="Arial"/>
+            </a:endParaRPr>
+          </a:p>
+        </p:txBody>
+      </p:sp>
+      <p:sp>
+        <p:nvSpPr>
+          <p:cNvPr id="28" name="PlaceHolder 3"/>
           <p:cNvSpPr>
             <a:spLocks noGrp="1"/>
           </p:cNvSpPr>
@@ -275,8 +277,8 @@
         </p:nvSpPr>
         <p:spPr>
           <a:xfrm>
-            <a:off x="6226200" y="1825560"/>
-            <a:ext cx="5131080" cy="2075040"/>
+            <a:off x="6231960" y="1604520"/>
+            <a:ext cx="5354280" cy="1896840"/>
           </a:xfrm>
           <a:prstGeom prst="rect">
             <a:avLst/>
@@ -285,23 +287,23 @@
         <p:txBody>
           <a:bodyPr lIns="0" rIns="0" tIns="0" bIns="0"/>
           <a:p>
-            <a:endParaRPr b="0" lang="es-CR" sz="2800" spc="-1" strike="noStrike">
-              <a:solidFill>
-                <a:srgbClr val="000000"/>
-              </a:solidFill>
-              <a:uFill>
-                <a:solidFill>
-                  <a:srgbClr val="ffffff"/>
-                </a:solidFill>
-              </a:uFill>
-              <a:latin typeface="Calibri"/>
-            </a:endParaRPr>
-          </a:p>
-        </p:txBody>
-      </p:sp>
-      <p:sp>
-        <p:nvSpPr>
-          <p:cNvPr id="32" name="PlaceHolder 4"/>
+            <a:endParaRPr b="0" lang="en-US" sz="3200" spc="-1" strike="noStrike">
+              <a:solidFill>
+                <a:srgbClr val="ffffff"/>
+              </a:solidFill>
+              <a:uFill>
+                <a:solidFill>
+                  <a:srgbClr val="ffffff"/>
+                </a:solidFill>
+              </a:uFill>
+              <a:latin typeface="Arial"/>
+            </a:endParaRPr>
+          </a:p>
+        </p:txBody>
+      </p:sp>
+      <p:sp>
+        <p:nvSpPr>
+          <p:cNvPr id="29" name="PlaceHolder 4"/>
           <p:cNvSpPr>
             <a:spLocks noGrp="1"/>
           </p:cNvSpPr>
@@ -311,8 +313,8 @@
         </p:nvSpPr>
         <p:spPr>
           <a:xfrm>
-            <a:off x="6226200" y="4098240"/>
-            <a:ext cx="5131080" cy="2075040"/>
+            <a:off x="6231960" y="3682080"/>
+            <a:ext cx="5354280" cy="1896840"/>
           </a:xfrm>
           <a:prstGeom prst="rect">
             <a:avLst/>
@@ -321,23 +323,23 @@
         <p:txBody>
           <a:bodyPr lIns="0" rIns="0" tIns="0" bIns="0"/>
           <a:p>
-            <a:endParaRPr b="0" lang="es-CR" sz="2800" spc="-1" strike="noStrike">
-              <a:solidFill>
-                <a:srgbClr val="000000"/>
-              </a:solidFill>
-              <a:uFill>
-                <a:solidFill>
-                  <a:srgbClr val="ffffff"/>
-                </a:solidFill>
-              </a:uFill>
-              <a:latin typeface="Calibri"/>
-            </a:endParaRPr>
-          </a:p>
-        </p:txBody>
-      </p:sp>
-      <p:sp>
-        <p:nvSpPr>
-          <p:cNvPr id="33" name="PlaceHolder 5"/>
+            <a:endParaRPr b="0" lang="en-US" sz="3200" spc="-1" strike="noStrike">
+              <a:solidFill>
+                <a:srgbClr val="ffffff"/>
+              </a:solidFill>
+              <a:uFill>
+                <a:solidFill>
+                  <a:srgbClr val="ffffff"/>
+                </a:solidFill>
+              </a:uFill>
+              <a:latin typeface="Arial"/>
+            </a:endParaRPr>
+          </a:p>
+        </p:txBody>
+      </p:sp>
+      <p:sp>
+        <p:nvSpPr>
+          <p:cNvPr id="30" name="PlaceHolder 5"/>
           <p:cNvSpPr>
             <a:spLocks noGrp="1"/>
           </p:cNvSpPr>
@@ -347,8 +349,8 @@
         </p:nvSpPr>
         <p:spPr>
           <a:xfrm>
-            <a:off x="838080" y="4098240"/>
-            <a:ext cx="5131080" cy="2075040"/>
+            <a:off x="609480" y="3682080"/>
+            <a:ext cx="5354280" cy="1896840"/>
           </a:xfrm>
           <a:prstGeom prst="rect">
             <a:avLst/>
@@ -357,16 +359,16 @@
         <p:txBody>
           <a:bodyPr lIns="0" rIns="0" tIns="0" bIns="0"/>
           <a:p>
-            <a:endParaRPr b="0" lang="es-CR" sz="2800" spc="-1" strike="noStrike">
-              <a:solidFill>
-                <a:srgbClr val="000000"/>
-              </a:solidFill>
-              <a:uFill>
-                <a:solidFill>
-                  <a:srgbClr val="ffffff"/>
-                </a:solidFill>
-              </a:uFill>
-              <a:latin typeface="Calibri"/>
+            <a:endParaRPr b="0" lang="en-US" sz="3200" spc="-1" strike="noStrike">
+              <a:solidFill>
+                <a:srgbClr val="ffffff"/>
+              </a:solidFill>
+              <a:uFill>
+                <a:solidFill>
+                  <a:srgbClr val="ffffff"/>
+                </a:solidFill>
+              </a:uFill>
+              <a:latin typeface="Arial"/>
             </a:endParaRPr>
           </a:p>
         </p:txBody>
@@ -395,7 +397,7 @@
       </p:grpSpPr>
       <p:sp>
         <p:nvSpPr>
-          <p:cNvPr id="34" name="PlaceHolder 1"/>
+          <p:cNvPr id="31" name="PlaceHolder 1"/>
           <p:cNvSpPr>
             <a:spLocks noGrp="1"/>
           </p:cNvSpPr>
@@ -405,8 +407,8 @@
         </p:nvSpPr>
         <p:spPr>
           <a:xfrm>
-            <a:off x="838080" y="365040"/>
-            <a:ext cx="10515240" cy="1325160"/>
+            <a:off x="609480" y="273600"/>
+            <a:ext cx="10972440" cy="1144800"/>
           </a:xfrm>
           <a:prstGeom prst="rect">
             <a:avLst/>
@@ -415,23 +417,24 @@
         <p:txBody>
           <a:bodyPr lIns="0" rIns="0" tIns="0" bIns="0" anchor="ctr"/>
           <a:p>
-            <a:endParaRPr b="0" lang="es-CR" sz="1800" spc="-1" strike="noStrike">
-              <a:solidFill>
-                <a:srgbClr val="000000"/>
-              </a:solidFill>
-              <a:uFill>
-                <a:solidFill>
-                  <a:srgbClr val="ffffff"/>
-                </a:solidFill>
-              </a:uFill>
-              <a:latin typeface="Calibri"/>
-            </a:endParaRPr>
-          </a:p>
-        </p:txBody>
-      </p:sp>
-      <p:sp>
-        <p:nvSpPr>
-          <p:cNvPr id="35" name="PlaceHolder 2"/>
+            <a:pPr algn="ctr"/>
+            <a:endParaRPr b="0" lang="en-US" sz="4400" spc="-1" strike="noStrike">
+              <a:solidFill>
+                <a:srgbClr val="ffffff"/>
+              </a:solidFill>
+              <a:uFill>
+                <a:solidFill>
+                  <a:srgbClr val="ffffff"/>
+                </a:solidFill>
+              </a:uFill>
+              <a:latin typeface="Arial"/>
+            </a:endParaRPr>
+          </a:p>
+        </p:txBody>
+      </p:sp>
+      <p:sp>
+        <p:nvSpPr>
+          <p:cNvPr id="32" name="PlaceHolder 2"/>
           <p:cNvSpPr>
             <a:spLocks noGrp="1"/>
           </p:cNvSpPr>
@@ -441,8 +444,8 @@
         </p:nvSpPr>
         <p:spPr>
           <a:xfrm>
-            <a:off x="838080" y="1825560"/>
-            <a:ext cx="10515240" cy="4350960"/>
+            <a:off x="609480" y="1604520"/>
+            <a:ext cx="10972440" cy="3977280"/>
           </a:xfrm>
           <a:prstGeom prst="rect">
             <a:avLst/>
@@ -451,23 +454,23 @@
         <p:txBody>
           <a:bodyPr lIns="0" rIns="0" tIns="0" bIns="0"/>
           <a:p>
-            <a:endParaRPr b="0" lang="es-CR" sz="2800" spc="-1" strike="noStrike">
-              <a:solidFill>
-                <a:srgbClr val="000000"/>
-              </a:solidFill>
-              <a:uFill>
-                <a:solidFill>
-                  <a:srgbClr val="ffffff"/>
-                </a:solidFill>
-              </a:uFill>
-              <a:latin typeface="Calibri"/>
-            </a:endParaRPr>
-          </a:p>
-        </p:txBody>
-      </p:sp>
-      <p:sp>
-        <p:nvSpPr>
-          <p:cNvPr id="36" name="PlaceHolder 3"/>
+            <a:endParaRPr b="0" lang="en-US" sz="3200" spc="-1" strike="noStrike">
+              <a:solidFill>
+                <a:srgbClr val="ffffff"/>
+              </a:solidFill>
+              <a:uFill>
+                <a:solidFill>
+                  <a:srgbClr val="ffffff"/>
+                </a:solidFill>
+              </a:uFill>
+              <a:latin typeface="Arial"/>
+            </a:endParaRPr>
+          </a:p>
+        </p:txBody>
+      </p:sp>
+      <p:sp>
+        <p:nvSpPr>
+          <p:cNvPr id="33" name="PlaceHolder 3"/>
           <p:cNvSpPr>
             <a:spLocks noGrp="1"/>
           </p:cNvSpPr>
@@ -477,8 +480,8 @@
         </p:nvSpPr>
         <p:spPr>
           <a:xfrm>
-            <a:off x="838080" y="1825560"/>
-            <a:ext cx="10515240" cy="4350960"/>
+            <a:off x="609480" y="1604520"/>
+            <a:ext cx="10972440" cy="3977280"/>
           </a:xfrm>
           <a:prstGeom prst="rect">
             <a:avLst/>
@@ -487,23 +490,23 @@
         <p:txBody>
           <a:bodyPr lIns="0" rIns="0" tIns="0" bIns="0"/>
           <a:p>
-            <a:endParaRPr b="0" lang="es-CR" sz="2800" spc="-1" strike="noStrike">
-              <a:solidFill>
-                <a:srgbClr val="000000"/>
-              </a:solidFill>
-              <a:uFill>
-                <a:solidFill>
-                  <a:srgbClr val="ffffff"/>
-                </a:solidFill>
-              </a:uFill>
-              <a:latin typeface="Calibri"/>
+            <a:endParaRPr b="0" lang="en-US" sz="3200" spc="-1" strike="noStrike">
+              <a:solidFill>
+                <a:srgbClr val="ffffff"/>
+              </a:solidFill>
+              <a:uFill>
+                <a:solidFill>
+                  <a:srgbClr val="ffffff"/>
+                </a:solidFill>
+              </a:uFill>
+              <a:latin typeface="Arial"/>
             </a:endParaRPr>
           </a:p>
         </p:txBody>
       </p:sp>
       <p:pic>
         <p:nvPicPr>
-          <p:cNvPr id="37" name="" descr=""/>
+          <p:cNvPr id="34" name="" descr=""/>
           <p:cNvPicPr/>
           <p:nvPr/>
         </p:nvPicPr>
@@ -513,8 +516,8 @@
         </p:blipFill>
         <p:spPr>
           <a:xfrm>
-            <a:off x="3368880" y="1825560"/>
-            <a:ext cx="5452920" cy="4350960"/>
+            <a:off x="3602880" y="1604520"/>
+            <a:ext cx="4984920" cy="3977280"/>
           </a:xfrm>
           <a:prstGeom prst="rect">
             <a:avLst/>
@@ -526,7 +529,7 @@
       </p:pic>
       <p:pic>
         <p:nvPicPr>
-          <p:cNvPr id="38" name="" descr=""/>
+          <p:cNvPr id="35" name="" descr=""/>
           <p:cNvPicPr/>
           <p:nvPr/>
         </p:nvPicPr>
@@ -536,8 +539,8 @@
         </p:blipFill>
         <p:spPr>
           <a:xfrm>
-            <a:off x="3368880" y="1825560"/>
-            <a:ext cx="5452920" cy="4350960"/>
+            <a:off x="3602880" y="1604520"/>
+            <a:ext cx="4984920" cy="3977280"/>
           </a:xfrm>
           <a:prstGeom prst="rect">
             <a:avLst/>
@@ -593,7 +596,7 @@
       </p:grpSpPr>
       <p:sp>
         <p:nvSpPr>
-          <p:cNvPr id="44" name="PlaceHolder 1"/>
+          <p:cNvPr id="38" name="PlaceHolder 1"/>
           <p:cNvSpPr>
             <a:spLocks noGrp="1"/>
           </p:cNvSpPr>
@@ -603,8 +606,8 @@
         </p:nvSpPr>
         <p:spPr>
           <a:xfrm>
-            <a:off x="838080" y="365040"/>
-            <a:ext cx="10515240" cy="1325160"/>
+            <a:off x="609480" y="273600"/>
+            <a:ext cx="10972440" cy="1144800"/>
           </a:xfrm>
           <a:prstGeom prst="rect">
             <a:avLst/>
@@ -613,23 +616,24 @@
         <p:txBody>
           <a:bodyPr lIns="0" rIns="0" tIns="0" bIns="0" anchor="ctr"/>
           <a:p>
-            <a:endParaRPr b="0" lang="es-CR" sz="1800" spc="-1" strike="noStrike">
-              <a:solidFill>
-                <a:srgbClr val="000000"/>
-              </a:solidFill>
-              <a:uFill>
-                <a:solidFill>
-                  <a:srgbClr val="ffffff"/>
-                </a:solidFill>
-              </a:uFill>
-              <a:latin typeface="Calibri"/>
-            </a:endParaRPr>
-          </a:p>
-        </p:txBody>
-      </p:sp>
-      <p:sp>
-        <p:nvSpPr>
-          <p:cNvPr id="45" name="PlaceHolder 2"/>
+            <a:pPr algn="ctr"/>
+            <a:endParaRPr b="0" lang="en-US" sz="4400" spc="-1" strike="noStrike">
+              <a:solidFill>
+                <a:srgbClr val="ffffff"/>
+              </a:solidFill>
+              <a:uFill>
+                <a:solidFill>
+                  <a:srgbClr val="ffffff"/>
+                </a:solidFill>
+              </a:uFill>
+              <a:latin typeface="Arial"/>
+            </a:endParaRPr>
+          </a:p>
+        </p:txBody>
+      </p:sp>
+      <p:sp>
+        <p:nvSpPr>
+          <p:cNvPr id="39" name="PlaceHolder 2"/>
           <p:cNvSpPr>
             <a:spLocks noGrp="1"/>
           </p:cNvSpPr>
@@ -639,8 +643,8 @@
         </p:nvSpPr>
         <p:spPr>
           <a:xfrm>
-            <a:off x="838080" y="1825560"/>
-            <a:ext cx="10515240" cy="4350960"/>
+            <a:off x="609480" y="1604520"/>
+            <a:ext cx="10972440" cy="3977280"/>
           </a:xfrm>
           <a:prstGeom prst="rect">
             <a:avLst/>
@@ -688,7 +692,7 @@
       </p:grpSpPr>
       <p:sp>
         <p:nvSpPr>
-          <p:cNvPr id="46" name="PlaceHolder 1"/>
+          <p:cNvPr id="40" name="PlaceHolder 1"/>
           <p:cNvSpPr>
             <a:spLocks noGrp="1"/>
           </p:cNvSpPr>
@@ -698,8 +702,8 @@
         </p:nvSpPr>
         <p:spPr>
           <a:xfrm>
-            <a:off x="838080" y="365040"/>
-            <a:ext cx="10515240" cy="1325160"/>
+            <a:off x="609480" y="273600"/>
+            <a:ext cx="10972440" cy="1144800"/>
           </a:xfrm>
           <a:prstGeom prst="rect">
             <a:avLst/>
@@ -708,23 +712,24 @@
         <p:txBody>
           <a:bodyPr lIns="0" rIns="0" tIns="0" bIns="0" anchor="ctr"/>
           <a:p>
-            <a:endParaRPr b="0" lang="es-CR" sz="1800" spc="-1" strike="noStrike">
-              <a:solidFill>
-                <a:srgbClr val="000000"/>
-              </a:solidFill>
-              <a:uFill>
-                <a:solidFill>
-                  <a:srgbClr val="ffffff"/>
-                </a:solidFill>
-              </a:uFill>
-              <a:latin typeface="Calibri"/>
-            </a:endParaRPr>
-          </a:p>
-        </p:txBody>
-      </p:sp>
-      <p:sp>
-        <p:nvSpPr>
-          <p:cNvPr id="47" name="PlaceHolder 2"/>
+            <a:pPr algn="ctr"/>
+            <a:endParaRPr b="0" lang="en-US" sz="4400" spc="-1" strike="noStrike">
+              <a:solidFill>
+                <a:srgbClr val="ffffff"/>
+              </a:solidFill>
+              <a:uFill>
+                <a:solidFill>
+                  <a:srgbClr val="ffffff"/>
+                </a:solidFill>
+              </a:uFill>
+              <a:latin typeface="Arial"/>
+            </a:endParaRPr>
+          </a:p>
+        </p:txBody>
+      </p:sp>
+      <p:sp>
+        <p:nvSpPr>
+          <p:cNvPr id="41" name="PlaceHolder 2"/>
           <p:cNvSpPr>
             <a:spLocks noGrp="1"/>
           </p:cNvSpPr>
@@ -734,8 +739,8 @@
         </p:nvSpPr>
         <p:spPr>
           <a:xfrm>
-            <a:off x="838080" y="1825560"/>
-            <a:ext cx="10515240" cy="4350960"/>
+            <a:off x="609480" y="1604520"/>
+            <a:ext cx="10972440" cy="3977280"/>
           </a:xfrm>
           <a:prstGeom prst="rect">
             <a:avLst/>
@@ -744,16 +749,16 @@
         <p:txBody>
           <a:bodyPr lIns="0" rIns="0" tIns="0" bIns="0"/>
           <a:p>
-            <a:endParaRPr b="0" lang="es-CR" sz="2800" spc="-1" strike="noStrike">
-              <a:solidFill>
-                <a:srgbClr val="000000"/>
-              </a:solidFill>
-              <a:uFill>
-                <a:solidFill>
-                  <a:srgbClr val="ffffff"/>
-                </a:solidFill>
-              </a:uFill>
-              <a:latin typeface="Calibri"/>
+            <a:endParaRPr b="0" lang="en-US" sz="3200" spc="-1" strike="noStrike">
+              <a:solidFill>
+                <a:srgbClr val="ffffff"/>
+              </a:solidFill>
+              <a:uFill>
+                <a:solidFill>
+                  <a:srgbClr val="ffffff"/>
+                </a:solidFill>
+              </a:uFill>
+              <a:latin typeface="Arial"/>
             </a:endParaRPr>
           </a:p>
         </p:txBody>
@@ -782,7 +787,7 @@
       </p:grpSpPr>
       <p:sp>
         <p:nvSpPr>
-          <p:cNvPr id="48" name="PlaceHolder 1"/>
+          <p:cNvPr id="42" name="PlaceHolder 1"/>
           <p:cNvSpPr>
             <a:spLocks noGrp="1"/>
           </p:cNvSpPr>
@@ -792,8 +797,8 @@
         </p:nvSpPr>
         <p:spPr>
           <a:xfrm>
-            <a:off x="838080" y="365040"/>
-            <a:ext cx="10515240" cy="1325160"/>
+            <a:off x="609480" y="273600"/>
+            <a:ext cx="10972440" cy="1144800"/>
           </a:xfrm>
           <a:prstGeom prst="rect">
             <a:avLst/>
@@ -802,23 +807,24 @@
         <p:txBody>
           <a:bodyPr lIns="0" rIns="0" tIns="0" bIns="0" anchor="ctr"/>
           <a:p>
-            <a:endParaRPr b="0" lang="es-CR" sz="1800" spc="-1" strike="noStrike">
-              <a:solidFill>
-                <a:srgbClr val="000000"/>
-              </a:solidFill>
-              <a:uFill>
-                <a:solidFill>
-                  <a:srgbClr val="ffffff"/>
-                </a:solidFill>
-              </a:uFill>
-              <a:latin typeface="Calibri"/>
-            </a:endParaRPr>
-          </a:p>
-        </p:txBody>
-      </p:sp>
-      <p:sp>
-        <p:nvSpPr>
-          <p:cNvPr id="49" name="PlaceHolder 2"/>
+            <a:pPr algn="ctr"/>
+            <a:endParaRPr b="0" lang="en-US" sz="4400" spc="-1" strike="noStrike">
+              <a:solidFill>
+                <a:srgbClr val="ffffff"/>
+              </a:solidFill>
+              <a:uFill>
+                <a:solidFill>
+                  <a:srgbClr val="ffffff"/>
+                </a:solidFill>
+              </a:uFill>
+              <a:latin typeface="Arial"/>
+            </a:endParaRPr>
+          </a:p>
+        </p:txBody>
+      </p:sp>
+      <p:sp>
+        <p:nvSpPr>
+          <p:cNvPr id="43" name="PlaceHolder 2"/>
           <p:cNvSpPr>
             <a:spLocks noGrp="1"/>
           </p:cNvSpPr>
@@ -828,8 +834,8 @@
         </p:nvSpPr>
         <p:spPr>
           <a:xfrm>
-            <a:off x="838080" y="1825560"/>
-            <a:ext cx="5131080" cy="4350960"/>
+            <a:off x="609480" y="1604520"/>
+            <a:ext cx="5354280" cy="3977280"/>
           </a:xfrm>
           <a:prstGeom prst="rect">
             <a:avLst/>
@@ -838,23 +844,23 @@
         <p:txBody>
           <a:bodyPr lIns="0" rIns="0" tIns="0" bIns="0"/>
           <a:p>
-            <a:endParaRPr b="0" lang="es-CR" sz="2800" spc="-1" strike="noStrike">
-              <a:solidFill>
-                <a:srgbClr val="000000"/>
-              </a:solidFill>
-              <a:uFill>
-                <a:solidFill>
-                  <a:srgbClr val="ffffff"/>
-                </a:solidFill>
-              </a:uFill>
-              <a:latin typeface="Calibri"/>
-            </a:endParaRPr>
-          </a:p>
-        </p:txBody>
-      </p:sp>
-      <p:sp>
-        <p:nvSpPr>
-          <p:cNvPr id="50" name="PlaceHolder 3"/>
+            <a:endParaRPr b="0" lang="en-US" sz="3200" spc="-1" strike="noStrike">
+              <a:solidFill>
+                <a:srgbClr val="ffffff"/>
+              </a:solidFill>
+              <a:uFill>
+                <a:solidFill>
+                  <a:srgbClr val="ffffff"/>
+                </a:solidFill>
+              </a:uFill>
+              <a:latin typeface="Arial"/>
+            </a:endParaRPr>
+          </a:p>
+        </p:txBody>
+      </p:sp>
+      <p:sp>
+        <p:nvSpPr>
+          <p:cNvPr id="44" name="PlaceHolder 3"/>
           <p:cNvSpPr>
             <a:spLocks noGrp="1"/>
           </p:cNvSpPr>
@@ -864,8 +870,8 @@
         </p:nvSpPr>
         <p:spPr>
           <a:xfrm>
-            <a:off x="6226200" y="1825560"/>
-            <a:ext cx="5131080" cy="4350960"/>
+            <a:off x="6231960" y="1604520"/>
+            <a:ext cx="5354280" cy="3977280"/>
           </a:xfrm>
           <a:prstGeom prst="rect">
             <a:avLst/>
@@ -874,16 +880,16 @@
         <p:txBody>
           <a:bodyPr lIns="0" rIns="0" tIns="0" bIns="0"/>
           <a:p>
-            <a:endParaRPr b="0" lang="es-CR" sz="2800" spc="-1" strike="noStrike">
-              <a:solidFill>
-                <a:srgbClr val="000000"/>
-              </a:solidFill>
-              <a:uFill>
-                <a:solidFill>
-                  <a:srgbClr val="ffffff"/>
-                </a:solidFill>
-              </a:uFill>
-              <a:latin typeface="Calibri"/>
+            <a:endParaRPr b="0" lang="en-US" sz="3200" spc="-1" strike="noStrike">
+              <a:solidFill>
+                <a:srgbClr val="ffffff"/>
+              </a:solidFill>
+              <a:uFill>
+                <a:solidFill>
+                  <a:srgbClr val="ffffff"/>
+                </a:solidFill>
+              </a:uFill>
+              <a:latin typeface="Arial"/>
             </a:endParaRPr>
           </a:p>
         </p:txBody>
@@ -912,7 +918,7 @@
       </p:grpSpPr>
       <p:sp>
         <p:nvSpPr>
-          <p:cNvPr id="51" name="PlaceHolder 1"/>
+          <p:cNvPr id="45" name="PlaceHolder 1"/>
           <p:cNvSpPr>
             <a:spLocks noGrp="1"/>
           </p:cNvSpPr>
@@ -922,8 +928,8 @@
         </p:nvSpPr>
         <p:spPr>
           <a:xfrm>
-            <a:off x="838080" y="365040"/>
-            <a:ext cx="10515240" cy="1325160"/>
+            <a:off x="609480" y="273600"/>
+            <a:ext cx="10972440" cy="1144800"/>
           </a:xfrm>
           <a:prstGeom prst="rect">
             <a:avLst/>
@@ -932,16 +938,17 @@
         <p:txBody>
           <a:bodyPr lIns="0" rIns="0" tIns="0" bIns="0" anchor="ctr"/>
           <a:p>
-            <a:endParaRPr b="0" lang="es-CR" sz="1800" spc="-1" strike="noStrike">
-              <a:solidFill>
-                <a:srgbClr val="000000"/>
-              </a:solidFill>
-              <a:uFill>
-                <a:solidFill>
-                  <a:srgbClr val="ffffff"/>
-                </a:solidFill>
-              </a:uFill>
-              <a:latin typeface="Calibri"/>
+            <a:pPr algn="ctr"/>
+            <a:endParaRPr b="0" lang="en-US" sz="4400" spc="-1" strike="noStrike">
+              <a:solidFill>
+                <a:srgbClr val="ffffff"/>
+              </a:solidFill>
+              <a:uFill>
+                <a:solidFill>
+                  <a:srgbClr val="ffffff"/>
+                </a:solidFill>
+              </a:uFill>
+              <a:latin typeface="Arial"/>
             </a:endParaRPr>
           </a:p>
         </p:txBody>
@@ -970,7 +977,7 @@
       </p:grpSpPr>
       <p:sp>
         <p:nvSpPr>
-          <p:cNvPr id="52" name="PlaceHolder 1"/>
+          <p:cNvPr id="46" name="PlaceHolder 1"/>
           <p:cNvSpPr>
             <a:spLocks noGrp="1"/>
           </p:cNvSpPr>
@@ -980,8 +987,8 @@
         </p:nvSpPr>
         <p:spPr>
           <a:xfrm>
-            <a:off x="838080" y="365040"/>
-            <a:ext cx="10515240" cy="6144120"/>
+            <a:off x="609480" y="273600"/>
+            <a:ext cx="10972440" cy="5307840"/>
           </a:xfrm>
           <a:prstGeom prst="rect">
             <a:avLst/>
@@ -1029,7 +1036,7 @@
       </p:grpSpPr>
       <p:sp>
         <p:nvSpPr>
-          <p:cNvPr id="53" name="PlaceHolder 1"/>
+          <p:cNvPr id="47" name="PlaceHolder 1"/>
           <p:cNvSpPr>
             <a:spLocks noGrp="1"/>
           </p:cNvSpPr>
@@ -1039,8 +1046,8 @@
         </p:nvSpPr>
         <p:spPr>
           <a:xfrm>
-            <a:off x="838080" y="365040"/>
-            <a:ext cx="10515240" cy="1325160"/>
+            <a:off x="609480" y="273600"/>
+            <a:ext cx="10972440" cy="1144800"/>
           </a:xfrm>
           <a:prstGeom prst="rect">
             <a:avLst/>
@@ -1049,23 +1056,24 @@
         <p:txBody>
           <a:bodyPr lIns="0" rIns="0" tIns="0" bIns="0" anchor="ctr"/>
           <a:p>
-            <a:endParaRPr b="0" lang="es-CR" sz="1800" spc="-1" strike="noStrike">
-              <a:solidFill>
-                <a:srgbClr val="000000"/>
-              </a:solidFill>
-              <a:uFill>
-                <a:solidFill>
-                  <a:srgbClr val="ffffff"/>
-                </a:solidFill>
-              </a:uFill>
-              <a:latin typeface="Calibri"/>
-            </a:endParaRPr>
-          </a:p>
-        </p:txBody>
-      </p:sp>
-      <p:sp>
-        <p:nvSpPr>
-          <p:cNvPr id="54" name="PlaceHolder 2"/>
+            <a:pPr algn="ctr"/>
+            <a:endParaRPr b="0" lang="en-US" sz="4400" spc="-1" strike="noStrike">
+              <a:solidFill>
+                <a:srgbClr val="ffffff"/>
+              </a:solidFill>
+              <a:uFill>
+                <a:solidFill>
+                  <a:srgbClr val="ffffff"/>
+                </a:solidFill>
+              </a:uFill>
+              <a:latin typeface="Arial"/>
+            </a:endParaRPr>
+          </a:p>
+        </p:txBody>
+      </p:sp>
+      <p:sp>
+        <p:nvSpPr>
+          <p:cNvPr id="48" name="PlaceHolder 2"/>
           <p:cNvSpPr>
             <a:spLocks noGrp="1"/>
           </p:cNvSpPr>
@@ -1075,8 +1083,8 @@
         </p:nvSpPr>
         <p:spPr>
           <a:xfrm>
-            <a:off x="838080" y="1825560"/>
-            <a:ext cx="5131080" cy="2075040"/>
+            <a:off x="609480" y="1604520"/>
+            <a:ext cx="5354280" cy="1896840"/>
           </a:xfrm>
           <a:prstGeom prst="rect">
             <a:avLst/>
@@ -1085,23 +1093,23 @@
         <p:txBody>
           <a:bodyPr lIns="0" rIns="0" tIns="0" bIns="0"/>
           <a:p>
-            <a:endParaRPr b="0" lang="es-CR" sz="2800" spc="-1" strike="noStrike">
-              <a:solidFill>
-                <a:srgbClr val="000000"/>
-              </a:solidFill>
-              <a:uFill>
-                <a:solidFill>
-                  <a:srgbClr val="ffffff"/>
-                </a:solidFill>
-              </a:uFill>
-              <a:latin typeface="Calibri"/>
-            </a:endParaRPr>
-          </a:p>
-        </p:txBody>
-      </p:sp>
-      <p:sp>
-        <p:nvSpPr>
-          <p:cNvPr id="55" name="PlaceHolder 3"/>
+            <a:endParaRPr b="0" lang="en-US" sz="3200" spc="-1" strike="noStrike">
+              <a:solidFill>
+                <a:srgbClr val="ffffff"/>
+              </a:solidFill>
+              <a:uFill>
+                <a:solidFill>
+                  <a:srgbClr val="ffffff"/>
+                </a:solidFill>
+              </a:uFill>
+              <a:latin typeface="Arial"/>
+            </a:endParaRPr>
+          </a:p>
+        </p:txBody>
+      </p:sp>
+      <p:sp>
+        <p:nvSpPr>
+          <p:cNvPr id="49" name="PlaceHolder 3"/>
           <p:cNvSpPr>
             <a:spLocks noGrp="1"/>
           </p:cNvSpPr>
@@ -1111,8 +1119,8 @@
         </p:nvSpPr>
         <p:spPr>
           <a:xfrm>
-            <a:off x="838080" y="4098240"/>
-            <a:ext cx="5131080" cy="2075040"/>
+            <a:off x="609480" y="3682080"/>
+            <a:ext cx="5354280" cy="1896840"/>
           </a:xfrm>
           <a:prstGeom prst="rect">
             <a:avLst/>
@@ -1121,23 +1129,23 @@
         <p:txBody>
           <a:bodyPr lIns="0" rIns="0" tIns="0" bIns="0"/>
           <a:p>
-            <a:endParaRPr b="0" lang="es-CR" sz="2800" spc="-1" strike="noStrike">
-              <a:solidFill>
-                <a:srgbClr val="000000"/>
-              </a:solidFill>
-              <a:uFill>
-                <a:solidFill>
-                  <a:srgbClr val="ffffff"/>
-                </a:solidFill>
-              </a:uFill>
-              <a:latin typeface="Calibri"/>
-            </a:endParaRPr>
-          </a:p>
-        </p:txBody>
-      </p:sp>
-      <p:sp>
-        <p:nvSpPr>
-          <p:cNvPr id="56" name="PlaceHolder 4"/>
+            <a:endParaRPr b="0" lang="en-US" sz="3200" spc="-1" strike="noStrike">
+              <a:solidFill>
+                <a:srgbClr val="ffffff"/>
+              </a:solidFill>
+              <a:uFill>
+                <a:solidFill>
+                  <a:srgbClr val="ffffff"/>
+                </a:solidFill>
+              </a:uFill>
+              <a:latin typeface="Arial"/>
+            </a:endParaRPr>
+          </a:p>
+        </p:txBody>
+      </p:sp>
+      <p:sp>
+        <p:nvSpPr>
+          <p:cNvPr id="50" name="PlaceHolder 4"/>
           <p:cNvSpPr>
             <a:spLocks noGrp="1"/>
           </p:cNvSpPr>
@@ -1147,8 +1155,8 @@
         </p:nvSpPr>
         <p:spPr>
           <a:xfrm>
-            <a:off x="6226200" y="1825560"/>
-            <a:ext cx="5131080" cy="4350960"/>
+            <a:off x="6231960" y="1604520"/>
+            <a:ext cx="5354280" cy="3977280"/>
           </a:xfrm>
           <a:prstGeom prst="rect">
             <a:avLst/>
@@ -1157,16 +1165,16 @@
         <p:txBody>
           <a:bodyPr lIns="0" rIns="0" tIns="0" bIns="0"/>
           <a:p>
-            <a:endParaRPr b="0" lang="es-CR" sz="2800" spc="-1" strike="noStrike">
-              <a:solidFill>
-                <a:srgbClr val="000000"/>
-              </a:solidFill>
-              <a:uFill>
-                <a:solidFill>
-                  <a:srgbClr val="ffffff"/>
-                </a:solidFill>
-              </a:uFill>
-              <a:latin typeface="Calibri"/>
+            <a:endParaRPr b="0" lang="en-US" sz="3200" spc="-1" strike="noStrike">
+              <a:solidFill>
+                <a:srgbClr val="ffffff"/>
+              </a:solidFill>
+              <a:uFill>
+                <a:solidFill>
+                  <a:srgbClr val="ffffff"/>
+                </a:solidFill>
+              </a:uFill>
+              <a:latin typeface="Arial"/>
             </a:endParaRPr>
           </a:p>
         </p:txBody>
@@ -1195,7 +1203,7 @@
       </p:grpSpPr>
       <p:sp>
         <p:nvSpPr>
-          <p:cNvPr id="5" name="PlaceHolder 1"/>
+          <p:cNvPr id="2" name="PlaceHolder 1"/>
           <p:cNvSpPr>
             <a:spLocks noGrp="1"/>
           </p:cNvSpPr>
@@ -1205,8 +1213,8 @@
         </p:nvSpPr>
         <p:spPr>
           <a:xfrm>
-            <a:off x="838080" y="365040"/>
-            <a:ext cx="10515240" cy="1325160"/>
+            <a:off x="609480" y="273600"/>
+            <a:ext cx="10972440" cy="1144800"/>
           </a:xfrm>
           <a:prstGeom prst="rect">
             <a:avLst/>
@@ -1215,23 +1223,24 @@
         <p:txBody>
           <a:bodyPr lIns="0" rIns="0" tIns="0" bIns="0" anchor="ctr"/>
           <a:p>
-            <a:endParaRPr b="0" lang="es-CR" sz="1800" spc="-1" strike="noStrike">
-              <a:solidFill>
-                <a:srgbClr val="000000"/>
-              </a:solidFill>
-              <a:uFill>
-                <a:solidFill>
-                  <a:srgbClr val="ffffff"/>
-                </a:solidFill>
-              </a:uFill>
-              <a:latin typeface="Calibri"/>
-            </a:endParaRPr>
-          </a:p>
-        </p:txBody>
-      </p:sp>
-      <p:sp>
-        <p:nvSpPr>
-          <p:cNvPr id="6" name="PlaceHolder 2"/>
+            <a:pPr algn="ctr"/>
+            <a:endParaRPr b="0" lang="en-US" sz="4400" spc="-1" strike="noStrike">
+              <a:solidFill>
+                <a:srgbClr val="ffffff"/>
+              </a:solidFill>
+              <a:uFill>
+                <a:solidFill>
+                  <a:srgbClr val="ffffff"/>
+                </a:solidFill>
+              </a:uFill>
+              <a:latin typeface="Arial"/>
+            </a:endParaRPr>
+          </a:p>
+        </p:txBody>
+      </p:sp>
+      <p:sp>
+        <p:nvSpPr>
+          <p:cNvPr id="3" name="PlaceHolder 2"/>
           <p:cNvSpPr>
             <a:spLocks noGrp="1"/>
           </p:cNvSpPr>
@@ -1241,8 +1250,8 @@
         </p:nvSpPr>
         <p:spPr>
           <a:xfrm>
-            <a:off x="838080" y="1825560"/>
-            <a:ext cx="10515240" cy="4350960"/>
+            <a:off x="609480" y="1604520"/>
+            <a:ext cx="10972440" cy="3977280"/>
           </a:xfrm>
           <a:prstGeom prst="rect">
             <a:avLst/>
@@ -1290,7 +1299,7 @@
       </p:grpSpPr>
       <p:sp>
         <p:nvSpPr>
-          <p:cNvPr id="57" name="PlaceHolder 1"/>
+          <p:cNvPr id="51" name="PlaceHolder 1"/>
           <p:cNvSpPr>
             <a:spLocks noGrp="1"/>
           </p:cNvSpPr>
@@ -1300,8 +1309,8 @@
         </p:nvSpPr>
         <p:spPr>
           <a:xfrm>
-            <a:off x="838080" y="365040"/>
-            <a:ext cx="10515240" cy="1325160"/>
+            <a:off x="609480" y="273600"/>
+            <a:ext cx="10972440" cy="1144800"/>
           </a:xfrm>
           <a:prstGeom prst="rect">
             <a:avLst/>
@@ -1310,23 +1319,24 @@
         <p:txBody>
           <a:bodyPr lIns="0" rIns="0" tIns="0" bIns="0" anchor="ctr"/>
           <a:p>
-            <a:endParaRPr b="0" lang="es-CR" sz="1800" spc="-1" strike="noStrike">
-              <a:solidFill>
-                <a:srgbClr val="000000"/>
-              </a:solidFill>
-              <a:uFill>
-                <a:solidFill>
-                  <a:srgbClr val="ffffff"/>
-                </a:solidFill>
-              </a:uFill>
-              <a:latin typeface="Calibri"/>
-            </a:endParaRPr>
-          </a:p>
-        </p:txBody>
-      </p:sp>
-      <p:sp>
-        <p:nvSpPr>
-          <p:cNvPr id="58" name="PlaceHolder 2"/>
+            <a:pPr algn="ctr"/>
+            <a:endParaRPr b="0" lang="en-US" sz="4400" spc="-1" strike="noStrike">
+              <a:solidFill>
+                <a:srgbClr val="ffffff"/>
+              </a:solidFill>
+              <a:uFill>
+                <a:solidFill>
+                  <a:srgbClr val="ffffff"/>
+                </a:solidFill>
+              </a:uFill>
+              <a:latin typeface="Arial"/>
+            </a:endParaRPr>
+          </a:p>
+        </p:txBody>
+      </p:sp>
+      <p:sp>
+        <p:nvSpPr>
+          <p:cNvPr id="52" name="PlaceHolder 2"/>
           <p:cNvSpPr>
             <a:spLocks noGrp="1"/>
           </p:cNvSpPr>
@@ -1336,8 +1346,8 @@
         </p:nvSpPr>
         <p:spPr>
           <a:xfrm>
-            <a:off x="838080" y="1825560"/>
-            <a:ext cx="5131080" cy="4350960"/>
+            <a:off x="609480" y="1604520"/>
+            <a:ext cx="5354280" cy="3977280"/>
           </a:xfrm>
           <a:prstGeom prst="rect">
             <a:avLst/>
@@ -1346,23 +1356,23 @@
         <p:txBody>
           <a:bodyPr lIns="0" rIns="0" tIns="0" bIns="0"/>
           <a:p>
-            <a:endParaRPr b="0" lang="es-CR" sz="2800" spc="-1" strike="noStrike">
-              <a:solidFill>
-                <a:srgbClr val="000000"/>
-              </a:solidFill>
-              <a:uFill>
-                <a:solidFill>
-                  <a:srgbClr val="ffffff"/>
-                </a:solidFill>
-              </a:uFill>
-              <a:latin typeface="Calibri"/>
-            </a:endParaRPr>
-          </a:p>
-        </p:txBody>
-      </p:sp>
-      <p:sp>
-        <p:nvSpPr>
-          <p:cNvPr id="59" name="PlaceHolder 3"/>
+            <a:endParaRPr b="0" lang="en-US" sz="3200" spc="-1" strike="noStrike">
+              <a:solidFill>
+                <a:srgbClr val="ffffff"/>
+              </a:solidFill>
+              <a:uFill>
+                <a:solidFill>
+                  <a:srgbClr val="ffffff"/>
+                </a:solidFill>
+              </a:uFill>
+              <a:latin typeface="Arial"/>
+            </a:endParaRPr>
+          </a:p>
+        </p:txBody>
+      </p:sp>
+      <p:sp>
+        <p:nvSpPr>
+          <p:cNvPr id="53" name="PlaceHolder 3"/>
           <p:cNvSpPr>
             <a:spLocks noGrp="1"/>
           </p:cNvSpPr>
@@ -1372,8 +1382,8 @@
         </p:nvSpPr>
         <p:spPr>
           <a:xfrm>
-            <a:off x="6226200" y="1825560"/>
-            <a:ext cx="5131080" cy="2075040"/>
+            <a:off x="6231960" y="1604520"/>
+            <a:ext cx="5354280" cy="1896840"/>
           </a:xfrm>
           <a:prstGeom prst="rect">
             <a:avLst/>
@@ -1382,23 +1392,23 @@
         <p:txBody>
           <a:bodyPr lIns="0" rIns="0" tIns="0" bIns="0"/>
           <a:p>
-            <a:endParaRPr b="0" lang="es-CR" sz="2800" spc="-1" strike="noStrike">
-              <a:solidFill>
-                <a:srgbClr val="000000"/>
-              </a:solidFill>
-              <a:uFill>
-                <a:solidFill>
-                  <a:srgbClr val="ffffff"/>
-                </a:solidFill>
-              </a:uFill>
-              <a:latin typeface="Calibri"/>
-            </a:endParaRPr>
-          </a:p>
-        </p:txBody>
-      </p:sp>
-      <p:sp>
-        <p:nvSpPr>
-          <p:cNvPr id="60" name="PlaceHolder 4"/>
+            <a:endParaRPr b="0" lang="en-US" sz="3200" spc="-1" strike="noStrike">
+              <a:solidFill>
+                <a:srgbClr val="ffffff"/>
+              </a:solidFill>
+              <a:uFill>
+                <a:solidFill>
+                  <a:srgbClr val="ffffff"/>
+                </a:solidFill>
+              </a:uFill>
+              <a:latin typeface="Arial"/>
+            </a:endParaRPr>
+          </a:p>
+        </p:txBody>
+      </p:sp>
+      <p:sp>
+        <p:nvSpPr>
+          <p:cNvPr id="54" name="PlaceHolder 4"/>
           <p:cNvSpPr>
             <a:spLocks noGrp="1"/>
           </p:cNvSpPr>
@@ -1408,8 +1418,8 @@
         </p:nvSpPr>
         <p:spPr>
           <a:xfrm>
-            <a:off x="6226200" y="4098240"/>
-            <a:ext cx="5131080" cy="2075040"/>
+            <a:off x="6231960" y="3682080"/>
+            <a:ext cx="5354280" cy="1896840"/>
           </a:xfrm>
           <a:prstGeom prst="rect">
             <a:avLst/>
@@ -1418,16 +1428,16 @@
         <p:txBody>
           <a:bodyPr lIns="0" rIns="0" tIns="0" bIns="0"/>
           <a:p>
-            <a:endParaRPr b="0" lang="es-CR" sz="2800" spc="-1" strike="noStrike">
-              <a:solidFill>
-                <a:srgbClr val="000000"/>
-              </a:solidFill>
-              <a:uFill>
-                <a:solidFill>
-                  <a:srgbClr val="ffffff"/>
-                </a:solidFill>
-              </a:uFill>
-              <a:latin typeface="Calibri"/>
+            <a:endParaRPr b="0" lang="en-US" sz="3200" spc="-1" strike="noStrike">
+              <a:solidFill>
+                <a:srgbClr val="ffffff"/>
+              </a:solidFill>
+              <a:uFill>
+                <a:solidFill>
+                  <a:srgbClr val="ffffff"/>
+                </a:solidFill>
+              </a:uFill>
+              <a:latin typeface="Arial"/>
             </a:endParaRPr>
           </a:p>
         </p:txBody>
@@ -1456,7 +1466,7 @@
       </p:grpSpPr>
       <p:sp>
         <p:nvSpPr>
-          <p:cNvPr id="61" name="PlaceHolder 1"/>
+          <p:cNvPr id="55" name="PlaceHolder 1"/>
           <p:cNvSpPr>
             <a:spLocks noGrp="1"/>
           </p:cNvSpPr>
@@ -1466,8 +1476,8 @@
         </p:nvSpPr>
         <p:spPr>
           <a:xfrm>
-            <a:off x="838080" y="365040"/>
-            <a:ext cx="10515240" cy="1325160"/>
+            <a:off x="609480" y="273600"/>
+            <a:ext cx="10972440" cy="1144800"/>
           </a:xfrm>
           <a:prstGeom prst="rect">
             <a:avLst/>
@@ -1476,23 +1486,24 @@
         <p:txBody>
           <a:bodyPr lIns="0" rIns="0" tIns="0" bIns="0" anchor="ctr"/>
           <a:p>
-            <a:endParaRPr b="0" lang="es-CR" sz="1800" spc="-1" strike="noStrike">
-              <a:solidFill>
-                <a:srgbClr val="000000"/>
-              </a:solidFill>
-              <a:uFill>
-                <a:solidFill>
-                  <a:srgbClr val="ffffff"/>
-                </a:solidFill>
-              </a:uFill>
-              <a:latin typeface="Calibri"/>
-            </a:endParaRPr>
-          </a:p>
-        </p:txBody>
-      </p:sp>
-      <p:sp>
-        <p:nvSpPr>
-          <p:cNvPr id="62" name="PlaceHolder 2"/>
+            <a:pPr algn="ctr"/>
+            <a:endParaRPr b="0" lang="en-US" sz="4400" spc="-1" strike="noStrike">
+              <a:solidFill>
+                <a:srgbClr val="ffffff"/>
+              </a:solidFill>
+              <a:uFill>
+                <a:solidFill>
+                  <a:srgbClr val="ffffff"/>
+                </a:solidFill>
+              </a:uFill>
+              <a:latin typeface="Arial"/>
+            </a:endParaRPr>
+          </a:p>
+        </p:txBody>
+      </p:sp>
+      <p:sp>
+        <p:nvSpPr>
+          <p:cNvPr id="56" name="PlaceHolder 2"/>
           <p:cNvSpPr>
             <a:spLocks noGrp="1"/>
           </p:cNvSpPr>
@@ -1502,8 +1513,8 @@
         </p:nvSpPr>
         <p:spPr>
           <a:xfrm>
-            <a:off x="838080" y="1825560"/>
-            <a:ext cx="5131080" cy="2075040"/>
+            <a:off x="609480" y="1604520"/>
+            <a:ext cx="5354280" cy="1896840"/>
           </a:xfrm>
           <a:prstGeom prst="rect">
             <a:avLst/>
@@ -1512,23 +1523,23 @@
         <p:txBody>
           <a:bodyPr lIns="0" rIns="0" tIns="0" bIns="0"/>
           <a:p>
-            <a:endParaRPr b="0" lang="es-CR" sz="2800" spc="-1" strike="noStrike">
-              <a:solidFill>
-                <a:srgbClr val="000000"/>
-              </a:solidFill>
-              <a:uFill>
-                <a:solidFill>
-                  <a:srgbClr val="ffffff"/>
-                </a:solidFill>
-              </a:uFill>
-              <a:latin typeface="Calibri"/>
-            </a:endParaRPr>
-          </a:p>
-        </p:txBody>
-      </p:sp>
-      <p:sp>
-        <p:nvSpPr>
-          <p:cNvPr id="63" name="PlaceHolder 3"/>
+            <a:endParaRPr b="0" lang="en-US" sz="3200" spc="-1" strike="noStrike">
+              <a:solidFill>
+                <a:srgbClr val="ffffff"/>
+              </a:solidFill>
+              <a:uFill>
+                <a:solidFill>
+                  <a:srgbClr val="ffffff"/>
+                </a:solidFill>
+              </a:uFill>
+              <a:latin typeface="Arial"/>
+            </a:endParaRPr>
+          </a:p>
+        </p:txBody>
+      </p:sp>
+      <p:sp>
+        <p:nvSpPr>
+          <p:cNvPr id="57" name="PlaceHolder 3"/>
           <p:cNvSpPr>
             <a:spLocks noGrp="1"/>
           </p:cNvSpPr>
@@ -1538,8 +1549,8 @@
         </p:nvSpPr>
         <p:spPr>
           <a:xfrm>
-            <a:off x="6226200" y="1825560"/>
-            <a:ext cx="5131080" cy="2075040"/>
+            <a:off x="6231960" y="1604520"/>
+            <a:ext cx="5354280" cy="1896840"/>
           </a:xfrm>
           <a:prstGeom prst="rect">
             <a:avLst/>
@@ -1548,23 +1559,23 @@
         <p:txBody>
           <a:bodyPr lIns="0" rIns="0" tIns="0" bIns="0"/>
           <a:p>
-            <a:endParaRPr b="0" lang="es-CR" sz="2800" spc="-1" strike="noStrike">
-              <a:solidFill>
-                <a:srgbClr val="000000"/>
-              </a:solidFill>
-              <a:uFill>
-                <a:solidFill>
-                  <a:srgbClr val="ffffff"/>
-                </a:solidFill>
-              </a:uFill>
-              <a:latin typeface="Calibri"/>
-            </a:endParaRPr>
-          </a:p>
-        </p:txBody>
-      </p:sp>
-      <p:sp>
-        <p:nvSpPr>
-          <p:cNvPr id="64" name="PlaceHolder 4"/>
+            <a:endParaRPr b="0" lang="en-US" sz="3200" spc="-1" strike="noStrike">
+              <a:solidFill>
+                <a:srgbClr val="ffffff"/>
+              </a:solidFill>
+              <a:uFill>
+                <a:solidFill>
+                  <a:srgbClr val="ffffff"/>
+                </a:solidFill>
+              </a:uFill>
+              <a:latin typeface="Arial"/>
+            </a:endParaRPr>
+          </a:p>
+        </p:txBody>
+      </p:sp>
+      <p:sp>
+        <p:nvSpPr>
+          <p:cNvPr id="58" name="PlaceHolder 4"/>
           <p:cNvSpPr>
             <a:spLocks noGrp="1"/>
           </p:cNvSpPr>
@@ -1574,8 +1585,8 @@
         </p:nvSpPr>
         <p:spPr>
           <a:xfrm>
-            <a:off x="838080" y="4098240"/>
-            <a:ext cx="10515240" cy="2075040"/>
+            <a:off x="609480" y="3682080"/>
+            <a:ext cx="10972440" cy="1896840"/>
           </a:xfrm>
           <a:prstGeom prst="rect">
             <a:avLst/>
@@ -1584,16 +1595,16 @@
         <p:txBody>
           <a:bodyPr lIns="0" rIns="0" tIns="0" bIns="0"/>
           <a:p>
-            <a:endParaRPr b="0" lang="es-CR" sz="2800" spc="-1" strike="noStrike">
-              <a:solidFill>
-                <a:srgbClr val="000000"/>
-              </a:solidFill>
-              <a:uFill>
-                <a:solidFill>
-                  <a:srgbClr val="ffffff"/>
-                </a:solidFill>
-              </a:uFill>
-              <a:latin typeface="Calibri"/>
+            <a:endParaRPr b="0" lang="en-US" sz="3200" spc="-1" strike="noStrike">
+              <a:solidFill>
+                <a:srgbClr val="ffffff"/>
+              </a:solidFill>
+              <a:uFill>
+                <a:solidFill>
+                  <a:srgbClr val="ffffff"/>
+                </a:solidFill>
+              </a:uFill>
+              <a:latin typeface="Arial"/>
             </a:endParaRPr>
           </a:p>
         </p:txBody>
@@ -1622,7 +1633,7 @@
       </p:grpSpPr>
       <p:sp>
         <p:nvSpPr>
-          <p:cNvPr id="65" name="PlaceHolder 1"/>
+          <p:cNvPr id="59" name="PlaceHolder 1"/>
           <p:cNvSpPr>
             <a:spLocks noGrp="1"/>
           </p:cNvSpPr>
@@ -1632,8 +1643,8 @@
         </p:nvSpPr>
         <p:spPr>
           <a:xfrm>
-            <a:off x="838080" y="365040"/>
-            <a:ext cx="10515240" cy="1325160"/>
+            <a:off x="609480" y="273600"/>
+            <a:ext cx="10972440" cy="1144800"/>
           </a:xfrm>
           <a:prstGeom prst="rect">
             <a:avLst/>
@@ -1642,23 +1653,24 @@
         <p:txBody>
           <a:bodyPr lIns="0" rIns="0" tIns="0" bIns="0" anchor="ctr"/>
           <a:p>
-            <a:endParaRPr b="0" lang="es-CR" sz="1800" spc="-1" strike="noStrike">
-              <a:solidFill>
-                <a:srgbClr val="000000"/>
-              </a:solidFill>
-              <a:uFill>
-                <a:solidFill>
-                  <a:srgbClr val="ffffff"/>
-                </a:solidFill>
-              </a:uFill>
-              <a:latin typeface="Calibri"/>
-            </a:endParaRPr>
-          </a:p>
-        </p:txBody>
-      </p:sp>
-      <p:sp>
-        <p:nvSpPr>
-          <p:cNvPr id="66" name="PlaceHolder 2"/>
+            <a:pPr algn="ctr"/>
+            <a:endParaRPr b="0" lang="en-US" sz="4400" spc="-1" strike="noStrike">
+              <a:solidFill>
+                <a:srgbClr val="ffffff"/>
+              </a:solidFill>
+              <a:uFill>
+                <a:solidFill>
+                  <a:srgbClr val="ffffff"/>
+                </a:solidFill>
+              </a:uFill>
+              <a:latin typeface="Arial"/>
+            </a:endParaRPr>
+          </a:p>
+        </p:txBody>
+      </p:sp>
+      <p:sp>
+        <p:nvSpPr>
+          <p:cNvPr id="60" name="PlaceHolder 2"/>
           <p:cNvSpPr>
             <a:spLocks noGrp="1"/>
           </p:cNvSpPr>
@@ -1668,8 +1680,8 @@
         </p:nvSpPr>
         <p:spPr>
           <a:xfrm>
-            <a:off x="838080" y="1825560"/>
-            <a:ext cx="10515240" cy="2075040"/>
+            <a:off x="609480" y="1604520"/>
+            <a:ext cx="10972440" cy="1896840"/>
           </a:xfrm>
           <a:prstGeom prst="rect">
             <a:avLst/>
@@ -1678,23 +1690,23 @@
         <p:txBody>
           <a:bodyPr lIns="0" rIns="0" tIns="0" bIns="0"/>
           <a:p>
-            <a:endParaRPr b="0" lang="es-CR" sz="2800" spc="-1" strike="noStrike">
-              <a:solidFill>
-                <a:srgbClr val="000000"/>
-              </a:solidFill>
-              <a:uFill>
-                <a:solidFill>
-                  <a:srgbClr val="ffffff"/>
-                </a:solidFill>
-              </a:uFill>
-              <a:latin typeface="Calibri"/>
-            </a:endParaRPr>
-          </a:p>
-        </p:txBody>
-      </p:sp>
-      <p:sp>
-        <p:nvSpPr>
-          <p:cNvPr id="67" name="PlaceHolder 3"/>
+            <a:endParaRPr b="0" lang="en-US" sz="3200" spc="-1" strike="noStrike">
+              <a:solidFill>
+                <a:srgbClr val="ffffff"/>
+              </a:solidFill>
+              <a:uFill>
+                <a:solidFill>
+                  <a:srgbClr val="ffffff"/>
+                </a:solidFill>
+              </a:uFill>
+              <a:latin typeface="Arial"/>
+            </a:endParaRPr>
+          </a:p>
+        </p:txBody>
+      </p:sp>
+      <p:sp>
+        <p:nvSpPr>
+          <p:cNvPr id="61" name="PlaceHolder 3"/>
           <p:cNvSpPr>
             <a:spLocks noGrp="1"/>
           </p:cNvSpPr>
@@ -1704,8 +1716,8 @@
         </p:nvSpPr>
         <p:spPr>
           <a:xfrm>
-            <a:off x="838080" y="4098240"/>
-            <a:ext cx="10515240" cy="2075040"/>
+            <a:off x="609480" y="3682080"/>
+            <a:ext cx="10972440" cy="1896840"/>
           </a:xfrm>
           <a:prstGeom prst="rect">
             <a:avLst/>
@@ -1714,16 +1726,16 @@
         <p:txBody>
           <a:bodyPr lIns="0" rIns="0" tIns="0" bIns="0"/>
           <a:p>
-            <a:endParaRPr b="0" lang="es-CR" sz="2800" spc="-1" strike="noStrike">
-              <a:solidFill>
-                <a:srgbClr val="000000"/>
-              </a:solidFill>
-              <a:uFill>
-                <a:solidFill>
-                  <a:srgbClr val="ffffff"/>
-                </a:solidFill>
-              </a:uFill>
-              <a:latin typeface="Calibri"/>
+            <a:endParaRPr b="0" lang="en-US" sz="3200" spc="-1" strike="noStrike">
+              <a:solidFill>
+                <a:srgbClr val="ffffff"/>
+              </a:solidFill>
+              <a:uFill>
+                <a:solidFill>
+                  <a:srgbClr val="ffffff"/>
+                </a:solidFill>
+              </a:uFill>
+              <a:latin typeface="Arial"/>
             </a:endParaRPr>
           </a:p>
         </p:txBody>
@@ -1752,7 +1764,7 @@
       </p:grpSpPr>
       <p:sp>
         <p:nvSpPr>
-          <p:cNvPr id="68" name="PlaceHolder 1"/>
+          <p:cNvPr id="62" name="PlaceHolder 1"/>
           <p:cNvSpPr>
             <a:spLocks noGrp="1"/>
           </p:cNvSpPr>
@@ -1762,8 +1774,8 @@
         </p:nvSpPr>
         <p:spPr>
           <a:xfrm>
-            <a:off x="838080" y="365040"/>
-            <a:ext cx="10515240" cy="1325160"/>
+            <a:off x="609480" y="273600"/>
+            <a:ext cx="10972440" cy="1144800"/>
           </a:xfrm>
           <a:prstGeom prst="rect">
             <a:avLst/>
@@ -1772,23 +1784,24 @@
         <p:txBody>
           <a:bodyPr lIns="0" rIns="0" tIns="0" bIns="0" anchor="ctr"/>
           <a:p>
-            <a:endParaRPr b="0" lang="es-CR" sz="1800" spc="-1" strike="noStrike">
-              <a:solidFill>
-                <a:srgbClr val="000000"/>
-              </a:solidFill>
-              <a:uFill>
-                <a:solidFill>
-                  <a:srgbClr val="ffffff"/>
-                </a:solidFill>
-              </a:uFill>
-              <a:latin typeface="Calibri"/>
-            </a:endParaRPr>
-          </a:p>
-        </p:txBody>
-      </p:sp>
-      <p:sp>
-        <p:nvSpPr>
-          <p:cNvPr id="69" name="PlaceHolder 2"/>
+            <a:pPr algn="ctr"/>
+            <a:endParaRPr b="0" lang="en-US" sz="4400" spc="-1" strike="noStrike">
+              <a:solidFill>
+                <a:srgbClr val="ffffff"/>
+              </a:solidFill>
+              <a:uFill>
+                <a:solidFill>
+                  <a:srgbClr val="ffffff"/>
+                </a:solidFill>
+              </a:uFill>
+              <a:latin typeface="Arial"/>
+            </a:endParaRPr>
+          </a:p>
+        </p:txBody>
+      </p:sp>
+      <p:sp>
+        <p:nvSpPr>
+          <p:cNvPr id="63" name="PlaceHolder 2"/>
           <p:cNvSpPr>
             <a:spLocks noGrp="1"/>
           </p:cNvSpPr>
@@ -1798,8 +1811,8 @@
         </p:nvSpPr>
         <p:spPr>
           <a:xfrm>
-            <a:off x="838080" y="1825560"/>
-            <a:ext cx="5131080" cy="2075040"/>
+            <a:off x="609480" y="1604520"/>
+            <a:ext cx="5354280" cy="1896840"/>
           </a:xfrm>
           <a:prstGeom prst="rect">
             <a:avLst/>
@@ -1808,23 +1821,23 @@
         <p:txBody>
           <a:bodyPr lIns="0" rIns="0" tIns="0" bIns="0"/>
           <a:p>
-            <a:endParaRPr b="0" lang="es-CR" sz="2800" spc="-1" strike="noStrike">
-              <a:solidFill>
-                <a:srgbClr val="000000"/>
-              </a:solidFill>
-              <a:uFill>
-                <a:solidFill>
-                  <a:srgbClr val="ffffff"/>
-                </a:solidFill>
-              </a:uFill>
-              <a:latin typeface="Calibri"/>
-            </a:endParaRPr>
-          </a:p>
-        </p:txBody>
-      </p:sp>
-      <p:sp>
-        <p:nvSpPr>
-          <p:cNvPr id="70" name="PlaceHolder 3"/>
+            <a:endParaRPr b="0" lang="en-US" sz="3200" spc="-1" strike="noStrike">
+              <a:solidFill>
+                <a:srgbClr val="ffffff"/>
+              </a:solidFill>
+              <a:uFill>
+                <a:solidFill>
+                  <a:srgbClr val="ffffff"/>
+                </a:solidFill>
+              </a:uFill>
+              <a:latin typeface="Arial"/>
+            </a:endParaRPr>
+          </a:p>
+        </p:txBody>
+      </p:sp>
+      <p:sp>
+        <p:nvSpPr>
+          <p:cNvPr id="64" name="PlaceHolder 3"/>
           <p:cNvSpPr>
             <a:spLocks noGrp="1"/>
           </p:cNvSpPr>
@@ -1834,8 +1847,8 @@
         </p:nvSpPr>
         <p:spPr>
           <a:xfrm>
-            <a:off x="6226200" y="1825560"/>
-            <a:ext cx="5131080" cy="2075040"/>
+            <a:off x="6231960" y="1604520"/>
+            <a:ext cx="5354280" cy="1896840"/>
           </a:xfrm>
           <a:prstGeom prst="rect">
             <a:avLst/>
@@ -1844,23 +1857,23 @@
         <p:txBody>
           <a:bodyPr lIns="0" rIns="0" tIns="0" bIns="0"/>
           <a:p>
-            <a:endParaRPr b="0" lang="es-CR" sz="2800" spc="-1" strike="noStrike">
-              <a:solidFill>
-                <a:srgbClr val="000000"/>
-              </a:solidFill>
-              <a:uFill>
-                <a:solidFill>
-                  <a:srgbClr val="ffffff"/>
-                </a:solidFill>
-              </a:uFill>
-              <a:latin typeface="Calibri"/>
-            </a:endParaRPr>
-          </a:p>
-        </p:txBody>
-      </p:sp>
-      <p:sp>
-        <p:nvSpPr>
-          <p:cNvPr id="71" name="PlaceHolder 4"/>
+            <a:endParaRPr b="0" lang="en-US" sz="3200" spc="-1" strike="noStrike">
+              <a:solidFill>
+                <a:srgbClr val="ffffff"/>
+              </a:solidFill>
+              <a:uFill>
+                <a:solidFill>
+                  <a:srgbClr val="ffffff"/>
+                </a:solidFill>
+              </a:uFill>
+              <a:latin typeface="Arial"/>
+            </a:endParaRPr>
+          </a:p>
+        </p:txBody>
+      </p:sp>
+      <p:sp>
+        <p:nvSpPr>
+          <p:cNvPr id="65" name="PlaceHolder 4"/>
           <p:cNvSpPr>
             <a:spLocks noGrp="1"/>
           </p:cNvSpPr>
@@ -1870,8 +1883,8 @@
         </p:nvSpPr>
         <p:spPr>
           <a:xfrm>
-            <a:off x="6226200" y="4098240"/>
-            <a:ext cx="5131080" cy="2075040"/>
+            <a:off x="6231960" y="3682080"/>
+            <a:ext cx="5354280" cy="1896840"/>
           </a:xfrm>
           <a:prstGeom prst="rect">
             <a:avLst/>
@@ -1880,23 +1893,23 @@
         <p:txBody>
           <a:bodyPr lIns="0" rIns="0" tIns="0" bIns="0"/>
           <a:p>
-            <a:endParaRPr b="0" lang="es-CR" sz="2800" spc="-1" strike="noStrike">
-              <a:solidFill>
-                <a:srgbClr val="000000"/>
-              </a:solidFill>
-              <a:uFill>
-                <a:solidFill>
-                  <a:srgbClr val="ffffff"/>
-                </a:solidFill>
-              </a:uFill>
-              <a:latin typeface="Calibri"/>
-            </a:endParaRPr>
-          </a:p>
-        </p:txBody>
-      </p:sp>
-      <p:sp>
-        <p:nvSpPr>
-          <p:cNvPr id="72" name="PlaceHolder 5"/>
+            <a:endParaRPr b="0" lang="en-US" sz="3200" spc="-1" strike="noStrike">
+              <a:solidFill>
+                <a:srgbClr val="ffffff"/>
+              </a:solidFill>
+              <a:uFill>
+                <a:solidFill>
+                  <a:srgbClr val="ffffff"/>
+                </a:solidFill>
+              </a:uFill>
+              <a:latin typeface="Arial"/>
+            </a:endParaRPr>
+          </a:p>
+        </p:txBody>
+      </p:sp>
+      <p:sp>
+        <p:nvSpPr>
+          <p:cNvPr id="66" name="PlaceHolder 5"/>
           <p:cNvSpPr>
             <a:spLocks noGrp="1"/>
           </p:cNvSpPr>
@@ -1906,8 +1919,8 @@
         </p:nvSpPr>
         <p:spPr>
           <a:xfrm>
-            <a:off x="838080" y="4098240"/>
-            <a:ext cx="5131080" cy="2075040"/>
+            <a:off x="609480" y="3682080"/>
+            <a:ext cx="5354280" cy="1896840"/>
           </a:xfrm>
           <a:prstGeom prst="rect">
             <a:avLst/>
@@ -1916,16 +1929,16 @@
         <p:txBody>
           <a:bodyPr lIns="0" rIns="0" tIns="0" bIns="0"/>
           <a:p>
-            <a:endParaRPr b="0" lang="es-CR" sz="2800" spc="-1" strike="noStrike">
-              <a:solidFill>
-                <a:srgbClr val="000000"/>
-              </a:solidFill>
-              <a:uFill>
-                <a:solidFill>
-                  <a:srgbClr val="ffffff"/>
-                </a:solidFill>
-              </a:uFill>
-              <a:latin typeface="Calibri"/>
+            <a:endParaRPr b="0" lang="en-US" sz="3200" spc="-1" strike="noStrike">
+              <a:solidFill>
+                <a:srgbClr val="ffffff"/>
+              </a:solidFill>
+              <a:uFill>
+                <a:solidFill>
+                  <a:srgbClr val="ffffff"/>
+                </a:solidFill>
+              </a:uFill>
+              <a:latin typeface="Arial"/>
             </a:endParaRPr>
           </a:p>
         </p:txBody>
@@ -1954,7 +1967,7 @@
       </p:grpSpPr>
       <p:sp>
         <p:nvSpPr>
-          <p:cNvPr id="73" name="PlaceHolder 1"/>
+          <p:cNvPr id="67" name="PlaceHolder 1"/>
           <p:cNvSpPr>
             <a:spLocks noGrp="1"/>
           </p:cNvSpPr>
@@ -1964,8 +1977,8 @@
         </p:nvSpPr>
         <p:spPr>
           <a:xfrm>
-            <a:off x="838080" y="365040"/>
-            <a:ext cx="10515240" cy="1325160"/>
+            <a:off x="609480" y="273600"/>
+            <a:ext cx="10972440" cy="1144800"/>
           </a:xfrm>
           <a:prstGeom prst="rect">
             <a:avLst/>
@@ -1974,23 +1987,24 @@
         <p:txBody>
           <a:bodyPr lIns="0" rIns="0" tIns="0" bIns="0" anchor="ctr"/>
           <a:p>
-            <a:endParaRPr b="0" lang="es-CR" sz="1800" spc="-1" strike="noStrike">
-              <a:solidFill>
-                <a:srgbClr val="000000"/>
-              </a:solidFill>
-              <a:uFill>
-                <a:solidFill>
-                  <a:srgbClr val="ffffff"/>
-                </a:solidFill>
-              </a:uFill>
-              <a:latin typeface="Calibri"/>
-            </a:endParaRPr>
-          </a:p>
-        </p:txBody>
-      </p:sp>
-      <p:sp>
-        <p:nvSpPr>
-          <p:cNvPr id="74" name="PlaceHolder 2"/>
+            <a:pPr algn="ctr"/>
+            <a:endParaRPr b="0" lang="en-US" sz="4400" spc="-1" strike="noStrike">
+              <a:solidFill>
+                <a:srgbClr val="ffffff"/>
+              </a:solidFill>
+              <a:uFill>
+                <a:solidFill>
+                  <a:srgbClr val="ffffff"/>
+                </a:solidFill>
+              </a:uFill>
+              <a:latin typeface="Arial"/>
+            </a:endParaRPr>
+          </a:p>
+        </p:txBody>
+      </p:sp>
+      <p:sp>
+        <p:nvSpPr>
+          <p:cNvPr id="68" name="PlaceHolder 2"/>
           <p:cNvSpPr>
             <a:spLocks noGrp="1"/>
           </p:cNvSpPr>
@@ -2000,8 +2014,8 @@
         </p:nvSpPr>
         <p:spPr>
           <a:xfrm>
-            <a:off x="838080" y="1825560"/>
-            <a:ext cx="10515240" cy="4350960"/>
+            <a:off x="609480" y="1604520"/>
+            <a:ext cx="10972440" cy="3977280"/>
           </a:xfrm>
           <a:prstGeom prst="rect">
             <a:avLst/>
@@ -2010,23 +2024,23 @@
         <p:txBody>
           <a:bodyPr lIns="0" rIns="0" tIns="0" bIns="0"/>
           <a:p>
-            <a:endParaRPr b="0" lang="es-CR" sz="2800" spc="-1" strike="noStrike">
-              <a:solidFill>
-                <a:srgbClr val="000000"/>
-              </a:solidFill>
-              <a:uFill>
-                <a:solidFill>
-                  <a:srgbClr val="ffffff"/>
-                </a:solidFill>
-              </a:uFill>
-              <a:latin typeface="Calibri"/>
-            </a:endParaRPr>
-          </a:p>
-        </p:txBody>
-      </p:sp>
-      <p:sp>
-        <p:nvSpPr>
-          <p:cNvPr id="75" name="PlaceHolder 3"/>
+            <a:endParaRPr b="0" lang="en-US" sz="3200" spc="-1" strike="noStrike">
+              <a:solidFill>
+                <a:srgbClr val="ffffff"/>
+              </a:solidFill>
+              <a:uFill>
+                <a:solidFill>
+                  <a:srgbClr val="ffffff"/>
+                </a:solidFill>
+              </a:uFill>
+              <a:latin typeface="Arial"/>
+            </a:endParaRPr>
+          </a:p>
+        </p:txBody>
+      </p:sp>
+      <p:sp>
+        <p:nvSpPr>
+          <p:cNvPr id="69" name="PlaceHolder 3"/>
           <p:cNvSpPr>
             <a:spLocks noGrp="1"/>
           </p:cNvSpPr>
@@ -2036,8 +2050,8 @@
         </p:nvSpPr>
         <p:spPr>
           <a:xfrm>
-            <a:off x="838080" y="1825560"/>
-            <a:ext cx="10515240" cy="4350960"/>
+            <a:off x="609480" y="1604520"/>
+            <a:ext cx="10972440" cy="3977280"/>
           </a:xfrm>
           <a:prstGeom prst="rect">
             <a:avLst/>
@@ -2046,23 +2060,23 @@
         <p:txBody>
           <a:bodyPr lIns="0" rIns="0" tIns="0" bIns="0"/>
           <a:p>
-            <a:endParaRPr b="0" lang="es-CR" sz="2800" spc="-1" strike="noStrike">
-              <a:solidFill>
-                <a:srgbClr val="000000"/>
-              </a:solidFill>
-              <a:uFill>
-                <a:solidFill>
-                  <a:srgbClr val="ffffff"/>
-                </a:solidFill>
-              </a:uFill>
-              <a:latin typeface="Calibri"/>
+            <a:endParaRPr b="0" lang="en-US" sz="3200" spc="-1" strike="noStrike">
+              <a:solidFill>
+                <a:srgbClr val="ffffff"/>
+              </a:solidFill>
+              <a:uFill>
+                <a:solidFill>
+                  <a:srgbClr val="ffffff"/>
+                </a:solidFill>
+              </a:uFill>
+              <a:latin typeface="Arial"/>
             </a:endParaRPr>
           </a:p>
         </p:txBody>
       </p:sp>
       <p:pic>
         <p:nvPicPr>
-          <p:cNvPr id="76" name="" descr=""/>
+          <p:cNvPr id="70" name="" descr=""/>
           <p:cNvPicPr/>
           <p:nvPr/>
         </p:nvPicPr>
@@ -2072,8 +2086,8 @@
         </p:blipFill>
         <p:spPr>
           <a:xfrm>
-            <a:off x="3368880" y="1825560"/>
-            <a:ext cx="5452920" cy="4350960"/>
+            <a:off x="3602880" y="1604520"/>
+            <a:ext cx="4984920" cy="3977280"/>
           </a:xfrm>
           <a:prstGeom prst="rect">
             <a:avLst/>
@@ -2085,7 +2099,7 @@
       </p:pic>
       <p:pic>
         <p:nvPicPr>
-          <p:cNvPr id="77" name="" descr=""/>
+          <p:cNvPr id="71" name="" descr=""/>
           <p:cNvPicPr/>
           <p:nvPr/>
         </p:nvPicPr>
@@ -2095,8 +2109,8 @@
         </p:blipFill>
         <p:spPr>
           <a:xfrm>
-            <a:off x="3368880" y="1825560"/>
-            <a:ext cx="5452920" cy="4350960"/>
+            <a:off x="3602880" y="1604520"/>
+            <a:ext cx="4984920" cy="3977280"/>
           </a:xfrm>
           <a:prstGeom prst="rect">
             <a:avLst/>
@@ -2130,7 +2144,7 @@
       </p:grpSpPr>
       <p:sp>
         <p:nvSpPr>
-          <p:cNvPr id="7" name="PlaceHolder 1"/>
+          <p:cNvPr id="4" name="PlaceHolder 1"/>
           <p:cNvSpPr>
             <a:spLocks noGrp="1"/>
           </p:cNvSpPr>
@@ -2140,8 +2154,8 @@
         </p:nvSpPr>
         <p:spPr>
           <a:xfrm>
-            <a:off x="838080" y="365040"/>
-            <a:ext cx="10515240" cy="1325160"/>
+            <a:off x="609480" y="273600"/>
+            <a:ext cx="10972440" cy="1144800"/>
           </a:xfrm>
           <a:prstGeom prst="rect">
             <a:avLst/>
@@ -2150,23 +2164,24 @@
         <p:txBody>
           <a:bodyPr lIns="0" rIns="0" tIns="0" bIns="0" anchor="ctr"/>
           <a:p>
-            <a:endParaRPr b="0" lang="es-CR" sz="1800" spc="-1" strike="noStrike">
-              <a:solidFill>
-                <a:srgbClr val="000000"/>
-              </a:solidFill>
-              <a:uFill>
-                <a:solidFill>
-                  <a:srgbClr val="ffffff"/>
-                </a:solidFill>
-              </a:uFill>
-              <a:latin typeface="Calibri"/>
-            </a:endParaRPr>
-          </a:p>
-        </p:txBody>
-      </p:sp>
-      <p:sp>
-        <p:nvSpPr>
-          <p:cNvPr id="8" name="PlaceHolder 2"/>
+            <a:pPr algn="ctr"/>
+            <a:endParaRPr b="0" lang="en-US" sz="4400" spc="-1" strike="noStrike">
+              <a:solidFill>
+                <a:srgbClr val="ffffff"/>
+              </a:solidFill>
+              <a:uFill>
+                <a:solidFill>
+                  <a:srgbClr val="ffffff"/>
+                </a:solidFill>
+              </a:uFill>
+              <a:latin typeface="Arial"/>
+            </a:endParaRPr>
+          </a:p>
+        </p:txBody>
+      </p:sp>
+      <p:sp>
+        <p:nvSpPr>
+          <p:cNvPr id="5" name="PlaceHolder 2"/>
           <p:cNvSpPr>
             <a:spLocks noGrp="1"/>
           </p:cNvSpPr>
@@ -2176,8 +2191,8 @@
         </p:nvSpPr>
         <p:spPr>
           <a:xfrm>
-            <a:off x="838080" y="1825560"/>
-            <a:ext cx="10515240" cy="4350960"/>
+            <a:off x="609480" y="1604520"/>
+            <a:ext cx="10972440" cy="3977280"/>
           </a:xfrm>
           <a:prstGeom prst="rect">
             <a:avLst/>
@@ -2186,16 +2201,16 @@
         <p:txBody>
           <a:bodyPr lIns="0" rIns="0" tIns="0" bIns="0"/>
           <a:p>
-            <a:endParaRPr b="0" lang="es-CR" sz="2800" spc="-1" strike="noStrike">
-              <a:solidFill>
-                <a:srgbClr val="000000"/>
-              </a:solidFill>
-              <a:uFill>
-                <a:solidFill>
-                  <a:srgbClr val="ffffff"/>
-                </a:solidFill>
-              </a:uFill>
-              <a:latin typeface="Calibri"/>
+            <a:endParaRPr b="0" lang="en-US" sz="3200" spc="-1" strike="noStrike">
+              <a:solidFill>
+                <a:srgbClr val="ffffff"/>
+              </a:solidFill>
+              <a:uFill>
+                <a:solidFill>
+                  <a:srgbClr val="ffffff"/>
+                </a:solidFill>
+              </a:uFill>
+              <a:latin typeface="Arial"/>
             </a:endParaRPr>
           </a:p>
         </p:txBody>
@@ -2224,7 +2239,7 @@
       </p:grpSpPr>
       <p:sp>
         <p:nvSpPr>
-          <p:cNvPr id="9" name="PlaceHolder 1"/>
+          <p:cNvPr id="6" name="PlaceHolder 1"/>
           <p:cNvSpPr>
             <a:spLocks noGrp="1"/>
           </p:cNvSpPr>
@@ -2234,8 +2249,8 @@
         </p:nvSpPr>
         <p:spPr>
           <a:xfrm>
-            <a:off x="838080" y="365040"/>
-            <a:ext cx="10515240" cy="1325160"/>
+            <a:off x="609480" y="273600"/>
+            <a:ext cx="10972440" cy="1144800"/>
           </a:xfrm>
           <a:prstGeom prst="rect">
             <a:avLst/>
@@ -2244,23 +2259,24 @@
         <p:txBody>
           <a:bodyPr lIns="0" rIns="0" tIns="0" bIns="0" anchor="ctr"/>
           <a:p>
-            <a:endParaRPr b="0" lang="es-CR" sz="1800" spc="-1" strike="noStrike">
-              <a:solidFill>
-                <a:srgbClr val="000000"/>
-              </a:solidFill>
-              <a:uFill>
-                <a:solidFill>
-                  <a:srgbClr val="ffffff"/>
-                </a:solidFill>
-              </a:uFill>
-              <a:latin typeface="Calibri"/>
-            </a:endParaRPr>
-          </a:p>
-        </p:txBody>
-      </p:sp>
-      <p:sp>
-        <p:nvSpPr>
-          <p:cNvPr id="10" name="PlaceHolder 2"/>
+            <a:pPr algn="ctr"/>
+            <a:endParaRPr b="0" lang="en-US" sz="4400" spc="-1" strike="noStrike">
+              <a:solidFill>
+                <a:srgbClr val="ffffff"/>
+              </a:solidFill>
+              <a:uFill>
+                <a:solidFill>
+                  <a:srgbClr val="ffffff"/>
+                </a:solidFill>
+              </a:uFill>
+              <a:latin typeface="Arial"/>
+            </a:endParaRPr>
+          </a:p>
+        </p:txBody>
+      </p:sp>
+      <p:sp>
+        <p:nvSpPr>
+          <p:cNvPr id="7" name="PlaceHolder 2"/>
           <p:cNvSpPr>
             <a:spLocks noGrp="1"/>
           </p:cNvSpPr>
@@ -2270,8 +2286,8 @@
         </p:nvSpPr>
         <p:spPr>
           <a:xfrm>
-            <a:off x="838080" y="1825560"/>
-            <a:ext cx="5131080" cy="4350960"/>
+            <a:off x="609480" y="1604520"/>
+            <a:ext cx="5354280" cy="3977280"/>
           </a:xfrm>
           <a:prstGeom prst="rect">
             <a:avLst/>
@@ -2280,23 +2296,23 @@
         <p:txBody>
           <a:bodyPr lIns="0" rIns="0" tIns="0" bIns="0"/>
           <a:p>
-            <a:endParaRPr b="0" lang="es-CR" sz="2800" spc="-1" strike="noStrike">
-              <a:solidFill>
-                <a:srgbClr val="000000"/>
-              </a:solidFill>
-              <a:uFill>
-                <a:solidFill>
-                  <a:srgbClr val="ffffff"/>
-                </a:solidFill>
-              </a:uFill>
-              <a:latin typeface="Calibri"/>
-            </a:endParaRPr>
-          </a:p>
-        </p:txBody>
-      </p:sp>
-      <p:sp>
-        <p:nvSpPr>
-          <p:cNvPr id="11" name="PlaceHolder 3"/>
+            <a:endParaRPr b="0" lang="en-US" sz="3200" spc="-1" strike="noStrike">
+              <a:solidFill>
+                <a:srgbClr val="ffffff"/>
+              </a:solidFill>
+              <a:uFill>
+                <a:solidFill>
+                  <a:srgbClr val="ffffff"/>
+                </a:solidFill>
+              </a:uFill>
+              <a:latin typeface="Arial"/>
+            </a:endParaRPr>
+          </a:p>
+        </p:txBody>
+      </p:sp>
+      <p:sp>
+        <p:nvSpPr>
+          <p:cNvPr id="8" name="PlaceHolder 3"/>
           <p:cNvSpPr>
             <a:spLocks noGrp="1"/>
           </p:cNvSpPr>
@@ -2306,8 +2322,8 @@
         </p:nvSpPr>
         <p:spPr>
           <a:xfrm>
-            <a:off x="6226200" y="1825560"/>
-            <a:ext cx="5131080" cy="4350960"/>
+            <a:off x="6231960" y="1604520"/>
+            <a:ext cx="5354280" cy="3977280"/>
           </a:xfrm>
           <a:prstGeom prst="rect">
             <a:avLst/>
@@ -2316,16 +2332,16 @@
         <p:txBody>
           <a:bodyPr lIns="0" rIns="0" tIns="0" bIns="0"/>
           <a:p>
-            <a:endParaRPr b="0" lang="es-CR" sz="2800" spc="-1" strike="noStrike">
-              <a:solidFill>
-                <a:srgbClr val="000000"/>
-              </a:solidFill>
-              <a:uFill>
-                <a:solidFill>
-                  <a:srgbClr val="ffffff"/>
-                </a:solidFill>
-              </a:uFill>
-              <a:latin typeface="Calibri"/>
+            <a:endParaRPr b="0" lang="en-US" sz="3200" spc="-1" strike="noStrike">
+              <a:solidFill>
+                <a:srgbClr val="ffffff"/>
+              </a:solidFill>
+              <a:uFill>
+                <a:solidFill>
+                  <a:srgbClr val="ffffff"/>
+                </a:solidFill>
+              </a:uFill>
+              <a:latin typeface="Arial"/>
             </a:endParaRPr>
           </a:p>
         </p:txBody>
@@ -2354,7 +2370,7 @@
       </p:grpSpPr>
       <p:sp>
         <p:nvSpPr>
-          <p:cNvPr id="12" name="PlaceHolder 1"/>
+          <p:cNvPr id="9" name="PlaceHolder 1"/>
           <p:cNvSpPr>
             <a:spLocks noGrp="1"/>
           </p:cNvSpPr>
@@ -2364,8 +2380,8 @@
         </p:nvSpPr>
         <p:spPr>
           <a:xfrm>
-            <a:off x="838080" y="365040"/>
-            <a:ext cx="10515240" cy="1325160"/>
+            <a:off x="609480" y="273600"/>
+            <a:ext cx="10972440" cy="1144800"/>
           </a:xfrm>
           <a:prstGeom prst="rect">
             <a:avLst/>
@@ -2374,16 +2390,17 @@
         <p:txBody>
           <a:bodyPr lIns="0" rIns="0" tIns="0" bIns="0" anchor="ctr"/>
           <a:p>
-            <a:endParaRPr b="0" lang="es-CR" sz="1800" spc="-1" strike="noStrike">
-              <a:solidFill>
-                <a:srgbClr val="000000"/>
-              </a:solidFill>
-              <a:uFill>
-                <a:solidFill>
-                  <a:srgbClr val="ffffff"/>
-                </a:solidFill>
-              </a:uFill>
-              <a:latin typeface="Calibri"/>
+            <a:pPr algn="ctr"/>
+            <a:endParaRPr b="0" lang="en-US" sz="4400" spc="-1" strike="noStrike">
+              <a:solidFill>
+                <a:srgbClr val="ffffff"/>
+              </a:solidFill>
+              <a:uFill>
+                <a:solidFill>
+                  <a:srgbClr val="ffffff"/>
+                </a:solidFill>
+              </a:uFill>
+              <a:latin typeface="Arial"/>
             </a:endParaRPr>
           </a:p>
         </p:txBody>
@@ -2412,7 +2429,7 @@
       </p:grpSpPr>
       <p:sp>
         <p:nvSpPr>
-          <p:cNvPr id="13" name="PlaceHolder 1"/>
+          <p:cNvPr id="10" name="PlaceHolder 1"/>
           <p:cNvSpPr>
             <a:spLocks noGrp="1"/>
           </p:cNvSpPr>
@@ -2422,8 +2439,8 @@
         </p:nvSpPr>
         <p:spPr>
           <a:xfrm>
-            <a:off x="838080" y="365040"/>
-            <a:ext cx="10515240" cy="6144120"/>
+            <a:off x="609480" y="273600"/>
+            <a:ext cx="10972440" cy="5307840"/>
           </a:xfrm>
           <a:prstGeom prst="rect">
             <a:avLst/>
@@ -2471,7 +2488,7 @@
       </p:grpSpPr>
       <p:sp>
         <p:nvSpPr>
-          <p:cNvPr id="14" name="PlaceHolder 1"/>
+          <p:cNvPr id="11" name="PlaceHolder 1"/>
           <p:cNvSpPr>
             <a:spLocks noGrp="1"/>
           </p:cNvSpPr>
@@ -2481,8 +2498,8 @@
         </p:nvSpPr>
         <p:spPr>
           <a:xfrm>
-            <a:off x="838080" y="365040"/>
-            <a:ext cx="10515240" cy="1325160"/>
+            <a:off x="609480" y="273600"/>
+            <a:ext cx="10972440" cy="1144800"/>
           </a:xfrm>
           <a:prstGeom prst="rect">
             <a:avLst/>
@@ -2491,23 +2508,24 @@
         <p:txBody>
           <a:bodyPr lIns="0" rIns="0" tIns="0" bIns="0" anchor="ctr"/>
           <a:p>
-            <a:endParaRPr b="0" lang="es-CR" sz="1800" spc="-1" strike="noStrike">
-              <a:solidFill>
-                <a:srgbClr val="000000"/>
-              </a:solidFill>
-              <a:uFill>
-                <a:solidFill>
-                  <a:srgbClr val="ffffff"/>
-                </a:solidFill>
-              </a:uFill>
-              <a:latin typeface="Calibri"/>
-            </a:endParaRPr>
-          </a:p>
-        </p:txBody>
-      </p:sp>
-      <p:sp>
-        <p:nvSpPr>
-          <p:cNvPr id="15" name="PlaceHolder 2"/>
+            <a:pPr algn="ctr"/>
+            <a:endParaRPr b="0" lang="en-US" sz="4400" spc="-1" strike="noStrike">
+              <a:solidFill>
+                <a:srgbClr val="ffffff"/>
+              </a:solidFill>
+              <a:uFill>
+                <a:solidFill>
+                  <a:srgbClr val="ffffff"/>
+                </a:solidFill>
+              </a:uFill>
+              <a:latin typeface="Arial"/>
+            </a:endParaRPr>
+          </a:p>
+        </p:txBody>
+      </p:sp>
+      <p:sp>
+        <p:nvSpPr>
+          <p:cNvPr id="12" name="PlaceHolder 2"/>
           <p:cNvSpPr>
             <a:spLocks noGrp="1"/>
           </p:cNvSpPr>
@@ -2517,8 +2535,8 @@
         </p:nvSpPr>
         <p:spPr>
           <a:xfrm>
-            <a:off x="838080" y="1825560"/>
-            <a:ext cx="5131080" cy="2075040"/>
+            <a:off x="609480" y="1604520"/>
+            <a:ext cx="5354280" cy="1896840"/>
           </a:xfrm>
           <a:prstGeom prst="rect">
             <a:avLst/>
@@ -2527,23 +2545,23 @@
         <p:txBody>
           <a:bodyPr lIns="0" rIns="0" tIns="0" bIns="0"/>
           <a:p>
-            <a:endParaRPr b="0" lang="es-CR" sz="2800" spc="-1" strike="noStrike">
-              <a:solidFill>
-                <a:srgbClr val="000000"/>
-              </a:solidFill>
-              <a:uFill>
-                <a:solidFill>
-                  <a:srgbClr val="ffffff"/>
-                </a:solidFill>
-              </a:uFill>
-              <a:latin typeface="Calibri"/>
-            </a:endParaRPr>
-          </a:p>
-        </p:txBody>
-      </p:sp>
-      <p:sp>
-        <p:nvSpPr>
-          <p:cNvPr id="16" name="PlaceHolder 3"/>
+            <a:endParaRPr b="0" lang="en-US" sz="3200" spc="-1" strike="noStrike">
+              <a:solidFill>
+                <a:srgbClr val="ffffff"/>
+              </a:solidFill>
+              <a:uFill>
+                <a:solidFill>
+                  <a:srgbClr val="ffffff"/>
+                </a:solidFill>
+              </a:uFill>
+              <a:latin typeface="Arial"/>
+            </a:endParaRPr>
+          </a:p>
+        </p:txBody>
+      </p:sp>
+      <p:sp>
+        <p:nvSpPr>
+          <p:cNvPr id="13" name="PlaceHolder 3"/>
           <p:cNvSpPr>
             <a:spLocks noGrp="1"/>
           </p:cNvSpPr>
@@ -2553,8 +2571,8 @@
         </p:nvSpPr>
         <p:spPr>
           <a:xfrm>
-            <a:off x="838080" y="4098240"/>
-            <a:ext cx="5131080" cy="2075040"/>
+            <a:off x="609480" y="3682080"/>
+            <a:ext cx="5354280" cy="1896840"/>
           </a:xfrm>
           <a:prstGeom prst="rect">
             <a:avLst/>
@@ -2563,23 +2581,23 @@
         <p:txBody>
           <a:bodyPr lIns="0" rIns="0" tIns="0" bIns="0"/>
           <a:p>
-            <a:endParaRPr b="0" lang="es-CR" sz="2800" spc="-1" strike="noStrike">
-              <a:solidFill>
-                <a:srgbClr val="000000"/>
-              </a:solidFill>
-              <a:uFill>
-                <a:solidFill>
-                  <a:srgbClr val="ffffff"/>
-                </a:solidFill>
-              </a:uFill>
-              <a:latin typeface="Calibri"/>
-            </a:endParaRPr>
-          </a:p>
-        </p:txBody>
-      </p:sp>
-      <p:sp>
-        <p:nvSpPr>
-          <p:cNvPr id="17" name="PlaceHolder 4"/>
+            <a:endParaRPr b="0" lang="en-US" sz="3200" spc="-1" strike="noStrike">
+              <a:solidFill>
+                <a:srgbClr val="ffffff"/>
+              </a:solidFill>
+              <a:uFill>
+                <a:solidFill>
+                  <a:srgbClr val="ffffff"/>
+                </a:solidFill>
+              </a:uFill>
+              <a:latin typeface="Arial"/>
+            </a:endParaRPr>
+          </a:p>
+        </p:txBody>
+      </p:sp>
+      <p:sp>
+        <p:nvSpPr>
+          <p:cNvPr id="14" name="PlaceHolder 4"/>
           <p:cNvSpPr>
             <a:spLocks noGrp="1"/>
           </p:cNvSpPr>
@@ -2589,8 +2607,8 @@
         </p:nvSpPr>
         <p:spPr>
           <a:xfrm>
-            <a:off x="6226200" y="1825560"/>
-            <a:ext cx="5131080" cy="4350960"/>
+            <a:off x="6231960" y="1604520"/>
+            <a:ext cx="5354280" cy="3977280"/>
           </a:xfrm>
           <a:prstGeom prst="rect">
             <a:avLst/>
@@ -2599,16 +2617,16 @@
         <p:txBody>
           <a:bodyPr lIns="0" rIns="0" tIns="0" bIns="0"/>
           <a:p>
-            <a:endParaRPr b="0" lang="es-CR" sz="2800" spc="-1" strike="noStrike">
-              <a:solidFill>
-                <a:srgbClr val="000000"/>
-              </a:solidFill>
-              <a:uFill>
-                <a:solidFill>
-                  <a:srgbClr val="ffffff"/>
-                </a:solidFill>
-              </a:uFill>
-              <a:latin typeface="Calibri"/>
+            <a:endParaRPr b="0" lang="en-US" sz="3200" spc="-1" strike="noStrike">
+              <a:solidFill>
+                <a:srgbClr val="ffffff"/>
+              </a:solidFill>
+              <a:uFill>
+                <a:solidFill>
+                  <a:srgbClr val="ffffff"/>
+                </a:solidFill>
+              </a:uFill>
+              <a:latin typeface="Arial"/>
             </a:endParaRPr>
           </a:p>
         </p:txBody>
@@ -2637,7 +2655,7 @@
       </p:grpSpPr>
       <p:sp>
         <p:nvSpPr>
-          <p:cNvPr id="18" name="PlaceHolder 1"/>
+          <p:cNvPr id="15" name="PlaceHolder 1"/>
           <p:cNvSpPr>
             <a:spLocks noGrp="1"/>
           </p:cNvSpPr>
@@ -2647,8 +2665,8 @@
         </p:nvSpPr>
         <p:spPr>
           <a:xfrm>
-            <a:off x="838080" y="365040"/>
-            <a:ext cx="10515240" cy="1325160"/>
+            <a:off x="609480" y="273600"/>
+            <a:ext cx="10972440" cy="1144800"/>
           </a:xfrm>
           <a:prstGeom prst="rect">
             <a:avLst/>
@@ -2657,23 +2675,24 @@
         <p:txBody>
           <a:bodyPr lIns="0" rIns="0" tIns="0" bIns="0" anchor="ctr"/>
           <a:p>
-            <a:endParaRPr b="0" lang="es-CR" sz="1800" spc="-1" strike="noStrike">
-              <a:solidFill>
-                <a:srgbClr val="000000"/>
-              </a:solidFill>
-              <a:uFill>
-                <a:solidFill>
-                  <a:srgbClr val="ffffff"/>
-                </a:solidFill>
-              </a:uFill>
-              <a:latin typeface="Calibri"/>
-            </a:endParaRPr>
-          </a:p>
-        </p:txBody>
-      </p:sp>
-      <p:sp>
-        <p:nvSpPr>
-          <p:cNvPr id="19" name="PlaceHolder 2"/>
+            <a:pPr algn="ctr"/>
+            <a:endParaRPr b="0" lang="en-US" sz="4400" spc="-1" strike="noStrike">
+              <a:solidFill>
+                <a:srgbClr val="ffffff"/>
+              </a:solidFill>
+              <a:uFill>
+                <a:solidFill>
+                  <a:srgbClr val="ffffff"/>
+                </a:solidFill>
+              </a:uFill>
+              <a:latin typeface="Arial"/>
+            </a:endParaRPr>
+          </a:p>
+        </p:txBody>
+      </p:sp>
+      <p:sp>
+        <p:nvSpPr>
+          <p:cNvPr id="16" name="PlaceHolder 2"/>
           <p:cNvSpPr>
             <a:spLocks noGrp="1"/>
           </p:cNvSpPr>
@@ -2683,8 +2702,8 @@
         </p:nvSpPr>
         <p:spPr>
           <a:xfrm>
-            <a:off x="838080" y="1825560"/>
-            <a:ext cx="5131080" cy="4350960"/>
+            <a:off x="609480" y="1604520"/>
+            <a:ext cx="5354280" cy="3977280"/>
           </a:xfrm>
           <a:prstGeom prst="rect">
             <a:avLst/>
@@ -2693,23 +2712,23 @@
         <p:txBody>
           <a:bodyPr lIns="0" rIns="0" tIns="0" bIns="0"/>
           <a:p>
-            <a:endParaRPr b="0" lang="es-CR" sz="2800" spc="-1" strike="noStrike">
-              <a:solidFill>
-                <a:srgbClr val="000000"/>
-              </a:solidFill>
-              <a:uFill>
-                <a:solidFill>
-                  <a:srgbClr val="ffffff"/>
-                </a:solidFill>
-              </a:uFill>
-              <a:latin typeface="Calibri"/>
-            </a:endParaRPr>
-          </a:p>
-        </p:txBody>
-      </p:sp>
-      <p:sp>
-        <p:nvSpPr>
-          <p:cNvPr id="20" name="PlaceHolder 3"/>
+            <a:endParaRPr b="0" lang="en-US" sz="3200" spc="-1" strike="noStrike">
+              <a:solidFill>
+                <a:srgbClr val="ffffff"/>
+              </a:solidFill>
+              <a:uFill>
+                <a:solidFill>
+                  <a:srgbClr val="ffffff"/>
+                </a:solidFill>
+              </a:uFill>
+              <a:latin typeface="Arial"/>
+            </a:endParaRPr>
+          </a:p>
+        </p:txBody>
+      </p:sp>
+      <p:sp>
+        <p:nvSpPr>
+          <p:cNvPr id="17" name="PlaceHolder 3"/>
           <p:cNvSpPr>
             <a:spLocks noGrp="1"/>
           </p:cNvSpPr>
@@ -2719,8 +2738,8 @@
         </p:nvSpPr>
         <p:spPr>
           <a:xfrm>
-            <a:off x="6226200" y="1825560"/>
-            <a:ext cx="5131080" cy="2075040"/>
+            <a:off x="6231960" y="1604520"/>
+            <a:ext cx="5354280" cy="1896840"/>
           </a:xfrm>
           <a:prstGeom prst="rect">
             <a:avLst/>
@@ -2729,23 +2748,23 @@
         <p:txBody>
           <a:bodyPr lIns="0" rIns="0" tIns="0" bIns="0"/>
           <a:p>
-            <a:endParaRPr b="0" lang="es-CR" sz="2800" spc="-1" strike="noStrike">
-              <a:solidFill>
-                <a:srgbClr val="000000"/>
-              </a:solidFill>
-              <a:uFill>
-                <a:solidFill>
-                  <a:srgbClr val="ffffff"/>
-                </a:solidFill>
-              </a:uFill>
-              <a:latin typeface="Calibri"/>
-            </a:endParaRPr>
-          </a:p>
-        </p:txBody>
-      </p:sp>
-      <p:sp>
-        <p:nvSpPr>
-          <p:cNvPr id="21" name="PlaceHolder 4"/>
+            <a:endParaRPr b="0" lang="en-US" sz="3200" spc="-1" strike="noStrike">
+              <a:solidFill>
+                <a:srgbClr val="ffffff"/>
+              </a:solidFill>
+              <a:uFill>
+                <a:solidFill>
+                  <a:srgbClr val="ffffff"/>
+                </a:solidFill>
+              </a:uFill>
+              <a:latin typeface="Arial"/>
+            </a:endParaRPr>
+          </a:p>
+        </p:txBody>
+      </p:sp>
+      <p:sp>
+        <p:nvSpPr>
+          <p:cNvPr id="18" name="PlaceHolder 4"/>
           <p:cNvSpPr>
             <a:spLocks noGrp="1"/>
           </p:cNvSpPr>
@@ -2755,8 +2774,8 @@
         </p:nvSpPr>
         <p:spPr>
           <a:xfrm>
-            <a:off x="6226200" y="4098240"/>
-            <a:ext cx="5131080" cy="2075040"/>
+            <a:off x="6231960" y="3682080"/>
+            <a:ext cx="5354280" cy="1896840"/>
           </a:xfrm>
           <a:prstGeom prst="rect">
             <a:avLst/>
@@ -2765,16 +2784,16 @@
         <p:txBody>
           <a:bodyPr lIns="0" rIns="0" tIns="0" bIns="0"/>
           <a:p>
-            <a:endParaRPr b="0" lang="es-CR" sz="2800" spc="-1" strike="noStrike">
-              <a:solidFill>
-                <a:srgbClr val="000000"/>
-              </a:solidFill>
-              <a:uFill>
-                <a:solidFill>
-                  <a:srgbClr val="ffffff"/>
-                </a:solidFill>
-              </a:uFill>
-              <a:latin typeface="Calibri"/>
+            <a:endParaRPr b="0" lang="en-US" sz="3200" spc="-1" strike="noStrike">
+              <a:solidFill>
+                <a:srgbClr val="ffffff"/>
+              </a:solidFill>
+              <a:uFill>
+                <a:solidFill>
+                  <a:srgbClr val="ffffff"/>
+                </a:solidFill>
+              </a:uFill>
+              <a:latin typeface="Arial"/>
             </a:endParaRPr>
           </a:p>
         </p:txBody>
@@ -2803,7 +2822,7 @@
       </p:grpSpPr>
       <p:sp>
         <p:nvSpPr>
-          <p:cNvPr id="22" name="PlaceHolder 1"/>
+          <p:cNvPr id="19" name="PlaceHolder 1"/>
           <p:cNvSpPr>
             <a:spLocks noGrp="1"/>
           </p:cNvSpPr>
@@ -2813,8 +2832,8 @@
         </p:nvSpPr>
         <p:spPr>
           <a:xfrm>
-            <a:off x="838080" y="365040"/>
-            <a:ext cx="10515240" cy="1325160"/>
+            <a:off x="609480" y="273600"/>
+            <a:ext cx="10972440" cy="1144800"/>
           </a:xfrm>
           <a:prstGeom prst="rect">
             <a:avLst/>
@@ -2823,23 +2842,24 @@
         <p:txBody>
           <a:bodyPr lIns="0" rIns="0" tIns="0" bIns="0" anchor="ctr"/>
           <a:p>
-            <a:endParaRPr b="0" lang="es-CR" sz="1800" spc="-1" strike="noStrike">
-              <a:solidFill>
-                <a:srgbClr val="000000"/>
-              </a:solidFill>
-              <a:uFill>
-                <a:solidFill>
-                  <a:srgbClr val="ffffff"/>
-                </a:solidFill>
-              </a:uFill>
-              <a:latin typeface="Calibri"/>
-            </a:endParaRPr>
-          </a:p>
-        </p:txBody>
-      </p:sp>
-      <p:sp>
-        <p:nvSpPr>
-          <p:cNvPr id="23" name="PlaceHolder 2"/>
+            <a:pPr algn="ctr"/>
+            <a:endParaRPr b="0" lang="en-US" sz="4400" spc="-1" strike="noStrike">
+              <a:solidFill>
+                <a:srgbClr val="ffffff"/>
+              </a:solidFill>
+              <a:uFill>
+                <a:solidFill>
+                  <a:srgbClr val="ffffff"/>
+                </a:solidFill>
+              </a:uFill>
+              <a:latin typeface="Arial"/>
+            </a:endParaRPr>
+          </a:p>
+        </p:txBody>
+      </p:sp>
+      <p:sp>
+        <p:nvSpPr>
+          <p:cNvPr id="20" name="PlaceHolder 2"/>
           <p:cNvSpPr>
             <a:spLocks noGrp="1"/>
           </p:cNvSpPr>
@@ -2849,8 +2869,8 @@
         </p:nvSpPr>
         <p:spPr>
           <a:xfrm>
-            <a:off x="838080" y="1825560"/>
-            <a:ext cx="5131080" cy="2075040"/>
+            <a:off x="609480" y="1604520"/>
+            <a:ext cx="5354280" cy="1896840"/>
           </a:xfrm>
           <a:prstGeom prst="rect">
             <a:avLst/>
@@ -2859,23 +2879,23 @@
         <p:txBody>
           <a:bodyPr lIns="0" rIns="0" tIns="0" bIns="0"/>
           <a:p>
-            <a:endParaRPr b="0" lang="es-CR" sz="2800" spc="-1" strike="noStrike">
-              <a:solidFill>
-                <a:srgbClr val="000000"/>
-              </a:solidFill>
-              <a:uFill>
-                <a:solidFill>
-                  <a:srgbClr val="ffffff"/>
-                </a:solidFill>
-              </a:uFill>
-              <a:latin typeface="Calibri"/>
-            </a:endParaRPr>
-          </a:p>
-        </p:txBody>
-      </p:sp>
-      <p:sp>
-        <p:nvSpPr>
-          <p:cNvPr id="24" name="PlaceHolder 3"/>
+            <a:endParaRPr b="0" lang="en-US" sz="3200" spc="-1" strike="noStrike">
+              <a:solidFill>
+                <a:srgbClr val="ffffff"/>
+              </a:solidFill>
+              <a:uFill>
+                <a:solidFill>
+                  <a:srgbClr val="ffffff"/>
+                </a:solidFill>
+              </a:uFill>
+              <a:latin typeface="Arial"/>
+            </a:endParaRPr>
+          </a:p>
+        </p:txBody>
+      </p:sp>
+      <p:sp>
+        <p:nvSpPr>
+          <p:cNvPr id="21" name="PlaceHolder 3"/>
           <p:cNvSpPr>
             <a:spLocks noGrp="1"/>
           </p:cNvSpPr>
@@ -2885,8 +2905,8 @@
         </p:nvSpPr>
         <p:spPr>
           <a:xfrm>
-            <a:off x="6226200" y="1825560"/>
-            <a:ext cx="5131080" cy="2075040"/>
+            <a:off x="6231960" y="1604520"/>
+            <a:ext cx="5354280" cy="1896840"/>
           </a:xfrm>
           <a:prstGeom prst="rect">
             <a:avLst/>
@@ -2895,23 +2915,23 @@
         <p:txBody>
           <a:bodyPr lIns="0" rIns="0" tIns="0" bIns="0"/>
           <a:p>
-            <a:endParaRPr b="0" lang="es-CR" sz="2800" spc="-1" strike="noStrike">
-              <a:solidFill>
-                <a:srgbClr val="000000"/>
-              </a:solidFill>
-              <a:uFill>
-                <a:solidFill>
-                  <a:srgbClr val="ffffff"/>
-                </a:solidFill>
-              </a:uFill>
-              <a:latin typeface="Calibri"/>
-            </a:endParaRPr>
-          </a:p>
-        </p:txBody>
-      </p:sp>
-      <p:sp>
-        <p:nvSpPr>
-          <p:cNvPr id="25" name="PlaceHolder 4"/>
+            <a:endParaRPr b="0" lang="en-US" sz="3200" spc="-1" strike="noStrike">
+              <a:solidFill>
+                <a:srgbClr val="ffffff"/>
+              </a:solidFill>
+              <a:uFill>
+                <a:solidFill>
+                  <a:srgbClr val="ffffff"/>
+                </a:solidFill>
+              </a:uFill>
+              <a:latin typeface="Arial"/>
+            </a:endParaRPr>
+          </a:p>
+        </p:txBody>
+      </p:sp>
+      <p:sp>
+        <p:nvSpPr>
+          <p:cNvPr id="22" name="PlaceHolder 4"/>
           <p:cNvSpPr>
             <a:spLocks noGrp="1"/>
           </p:cNvSpPr>
@@ -2921,8 +2941,8 @@
         </p:nvSpPr>
         <p:spPr>
           <a:xfrm>
-            <a:off x="838080" y="4098240"/>
-            <a:ext cx="10515240" cy="2075040"/>
+            <a:off x="609480" y="3682080"/>
+            <a:ext cx="10972440" cy="1896840"/>
           </a:xfrm>
           <a:prstGeom prst="rect">
             <a:avLst/>
@@ -2931,16 +2951,16 @@
         <p:txBody>
           <a:bodyPr lIns="0" rIns="0" tIns="0" bIns="0"/>
           <a:p>
-            <a:endParaRPr b="0" lang="es-CR" sz="2800" spc="-1" strike="noStrike">
-              <a:solidFill>
-                <a:srgbClr val="000000"/>
-              </a:solidFill>
-              <a:uFill>
-                <a:solidFill>
-                  <a:srgbClr val="ffffff"/>
-                </a:solidFill>
-              </a:uFill>
-              <a:latin typeface="Calibri"/>
+            <a:endParaRPr b="0" lang="en-US" sz="3200" spc="-1" strike="noStrike">
+              <a:solidFill>
+                <a:srgbClr val="ffffff"/>
+              </a:solidFill>
+              <a:uFill>
+                <a:solidFill>
+                  <a:srgbClr val="ffffff"/>
+                </a:solidFill>
+              </a:uFill>
+              <a:latin typeface="Arial"/>
             </a:endParaRPr>
           </a:p>
         </p:txBody>
@@ -2986,59 +3006,27 @@
         </p:nvSpPr>
         <p:spPr>
           <a:xfrm>
-            <a:off x="1523880" y="1122480"/>
-            <a:ext cx="9143640" cy="2387160"/>
-          </a:xfrm>
-          <a:prstGeom prst="rect">
-            <a:avLst/>
-          </a:prstGeom>
-        </p:spPr>
-        <p:txBody>
-          <a:bodyPr anchor="b"/>
-          <a:p>
-            <a:pPr algn="ctr">
-              <a:lnSpc>
-                <a:spcPct val="100000"/>
-              </a:lnSpc>
-            </a:pPr>
-            <a:r>
-              <a:rPr b="0" lang="es-CR" sz="6000" spc="-1" strike="noStrike">
-                <a:solidFill>
-                  <a:srgbClr val="000000"/>
-                </a:solidFill>
-                <a:uFill>
-                  <a:solidFill>
-                    <a:srgbClr val="ffffff"/>
-                  </a:solidFill>
-                </a:uFill>
-                <a:latin typeface="Calibri Light"/>
-              </a:rPr>
-              <a:t>Click to edit Master title </a:t>
-            </a:r>
-            <a:r>
-              <a:rPr b="0" lang="es-CR" sz="6000" spc="-1" strike="noStrike">
-                <a:solidFill>
-                  <a:srgbClr val="000000"/>
-                </a:solidFill>
-                <a:uFill>
-                  <a:solidFill>
-                    <a:srgbClr val="ffffff"/>
-                  </a:solidFill>
-                </a:uFill>
-                <a:latin typeface="Calibri Light"/>
-              </a:rPr>
-              <a:t>style</a:t>
-            </a:r>
-            <a:endParaRPr b="0" lang="es-CR" sz="1800" spc="-1" strike="noStrike">
-              <a:solidFill>
-                <a:srgbClr val="000000"/>
-              </a:solidFill>
-              <a:uFill>
-                <a:solidFill>
-                  <a:srgbClr val="ffffff"/>
-                </a:solidFill>
-              </a:uFill>
-              <a:latin typeface="Calibri"/>
+            <a:off x="838080" y="365040"/>
+            <a:ext cx="10514880" cy="1324800"/>
+          </a:xfrm>
+          <a:prstGeom prst="rect">
+            <a:avLst/>
+          </a:prstGeom>
+        </p:spPr>
+        <p:txBody>
+          <a:bodyPr lIns="0" rIns="0" tIns="0" bIns="0" anchor="ctr"/>
+          <a:p>
+            <a:pPr algn="ctr"/>
+            <a:endParaRPr b="0" lang="en-US" sz="4400" spc="-1" strike="noStrike">
+              <a:solidFill>
+                <a:srgbClr val="ffffff"/>
+              </a:solidFill>
+              <a:uFill>
+                <a:solidFill>
+                  <a:srgbClr val="ffffff"/>
+                </a:solidFill>
+              </a:uFill>
+              <a:latin typeface="Arial"/>
             </a:endParaRPr>
           </a:p>
         </p:txBody>
@@ -3046,152 +3034,6 @@
       <p:sp>
         <p:nvSpPr>
           <p:cNvPr id="1" name="PlaceHolder 2"/>
-          <p:cNvSpPr>
-            <a:spLocks noGrp="1"/>
-          </p:cNvSpPr>
-          <p:nvPr>
-            <p:ph type="dt"/>
-          </p:nvPr>
-        </p:nvSpPr>
-        <p:spPr>
-          <a:xfrm>
-            <a:off x="838080" y="6356520"/>
-            <a:ext cx="2742840" cy="364680"/>
-          </a:xfrm>
-          <a:prstGeom prst="rect">
-            <a:avLst/>
-          </a:prstGeom>
-        </p:spPr>
-        <p:txBody>
-          <a:bodyPr anchor="ctr"/>
-          <a:p>
-            <a:pPr>
-              <a:lnSpc>
-                <a:spcPct val="100000"/>
-              </a:lnSpc>
-            </a:pPr>
-            <a:r>
-              <a:rPr b="0" lang="en-US" sz="1200" spc="-1" strike="noStrike">
-                <a:solidFill>
-                  <a:srgbClr val="8b8b8b"/>
-                </a:solidFill>
-                <a:uFill>
-                  <a:solidFill>
-                    <a:srgbClr val="ffffff"/>
-                  </a:solidFill>
-                </a:uFill>
-                <a:latin typeface="Calibri"/>
-              </a:rPr>
-              <a:t>1/21/21</a:t>
-            </a:r>
-            <a:endParaRPr b="0" lang="en-US" sz="1400" spc="-1" strike="noStrike">
-              <a:solidFill>
-                <a:srgbClr val="ffffff"/>
-              </a:solidFill>
-              <a:uFill>
-                <a:solidFill>
-                  <a:srgbClr val="ffffff"/>
-                </a:solidFill>
-              </a:uFill>
-              <a:latin typeface="Times New Roman"/>
-            </a:endParaRPr>
-          </a:p>
-        </p:txBody>
-      </p:sp>
-      <p:sp>
-        <p:nvSpPr>
-          <p:cNvPr id="2" name="PlaceHolder 3"/>
-          <p:cNvSpPr>
-            <a:spLocks noGrp="1"/>
-          </p:cNvSpPr>
-          <p:nvPr>
-            <p:ph type="ftr"/>
-          </p:nvPr>
-        </p:nvSpPr>
-        <p:spPr>
-          <a:xfrm>
-            <a:off x="4038480" y="6356520"/>
-            <a:ext cx="4114440" cy="364680"/>
-          </a:xfrm>
-          <a:prstGeom prst="rect">
-            <a:avLst/>
-          </a:prstGeom>
-        </p:spPr>
-        <p:txBody>
-          <a:bodyPr anchor="ctr"/>
-          <a:p>
-            <a:endParaRPr b="0" lang="en-US" sz="2400" spc="-1" strike="noStrike">
-              <a:solidFill>
-                <a:srgbClr val="ffffff"/>
-              </a:solidFill>
-              <a:uFill>
-                <a:solidFill>
-                  <a:srgbClr val="ffffff"/>
-                </a:solidFill>
-              </a:uFill>
-              <a:latin typeface="Times New Roman"/>
-            </a:endParaRPr>
-          </a:p>
-        </p:txBody>
-      </p:sp>
-      <p:sp>
-        <p:nvSpPr>
-          <p:cNvPr id="3" name="PlaceHolder 4"/>
-          <p:cNvSpPr>
-            <a:spLocks noGrp="1"/>
-          </p:cNvSpPr>
-          <p:nvPr>
-            <p:ph type="sldNum"/>
-          </p:nvPr>
-        </p:nvSpPr>
-        <p:spPr>
-          <a:xfrm>
-            <a:off x="8610480" y="6356520"/>
-            <a:ext cx="2742840" cy="364680"/>
-          </a:xfrm>
-          <a:prstGeom prst="rect">
-            <a:avLst/>
-          </a:prstGeom>
-        </p:spPr>
-        <p:txBody>
-          <a:bodyPr anchor="ctr"/>
-          <a:p>
-            <a:pPr algn="r">
-              <a:lnSpc>
-                <a:spcPct val="100000"/>
-              </a:lnSpc>
-            </a:pPr>
-            <a:fld id="{996F9C3E-7261-4F34-8997-19B727241ADA}" type="slidenum">
-              <a:rPr b="0" lang="en-US" sz="1200" spc="-1" strike="noStrike">
-                <a:solidFill>
-                  <a:srgbClr val="8b8b8b"/>
-                </a:solidFill>
-                <a:uFill>
-                  <a:solidFill>
-                    <a:srgbClr val="ffffff"/>
-                  </a:solidFill>
-                </a:uFill>
-                <a:latin typeface="Calibri"/>
-              </a:rPr>
-              <a:t>&lt;number&gt;</a:t>
-            </a:fld>
-            <a:endParaRPr b="0" lang="en-US" sz="1400" spc="-1" strike="noStrike">
-              <a:solidFill>
-                <a:srgbClr val="ffffff"/>
-              </a:solidFill>
-              <a:uFill>
-                <a:solidFill>
-                  <a:srgbClr val="ffffff"/>
-                </a:solidFill>
-              </a:uFill>
-              <a:latin typeface="Times New Roman"/>
-            </a:endParaRPr>
-          </a:p>
-        </p:txBody>
-      </p:sp>
-      <p:sp>
-        <p:nvSpPr>
-          <p:cNvPr id="4" name="PlaceHolder 5"/>
           <p:cNvSpPr>
             <a:spLocks noGrp="1"/>
           </p:cNvSpPr>
@@ -3220,29 +3062,29 @@
               <a:buChar char=""/>
             </a:pPr>
             <a:r>
-              <a:rPr b="0" lang="es-CR" sz="2800" spc="-1" strike="noStrike">
-                <a:solidFill>
-                  <a:srgbClr val="000000"/>
+              <a:rPr b="0" lang="en-US" sz="3200" spc="-1" strike="noStrike">
+                <a:solidFill>
+                  <a:srgbClr val="ffffff"/>
                 </a:solidFill>
                 <a:uFill>
                   <a:solidFill>
                     <a:srgbClr val="ffffff"/>
                   </a:solidFill>
                 </a:uFill>
-                <a:latin typeface="Calibri"/>
+                <a:latin typeface="Arial"/>
               </a:rPr>
               <a:t>Click to edit the outline text format</a:t>
             </a:r>
-            <a:endParaRPr b="0" lang="es-CR" sz="2800" spc="-1" strike="noStrike">
-              <a:solidFill>
-                <a:srgbClr val="000000"/>
-              </a:solidFill>
-              <a:uFill>
-                <a:solidFill>
-                  <a:srgbClr val="ffffff"/>
-                </a:solidFill>
-              </a:uFill>
-              <a:latin typeface="Calibri"/>
+            <a:endParaRPr b="0" lang="en-US" sz="3200" spc="-1" strike="noStrike">
+              <a:solidFill>
+                <a:srgbClr val="ffffff"/>
+              </a:solidFill>
+              <a:uFill>
+                <a:solidFill>
+                  <a:srgbClr val="ffffff"/>
+                </a:solidFill>
+              </a:uFill>
+              <a:latin typeface="Arial"/>
             </a:endParaRPr>
           </a:p>
           <a:p>
@@ -3255,29 +3097,29 @@
               <a:buChar char=""/>
             </a:pPr>
             <a:r>
-              <a:rPr b="0" lang="es-CR" sz="2000" spc="-1" strike="noStrike">
-                <a:solidFill>
-                  <a:srgbClr val="000000"/>
+              <a:rPr b="0" lang="en-US" sz="2800" spc="-1" strike="noStrike">
+                <a:solidFill>
+                  <a:srgbClr val="ffffff"/>
                 </a:solidFill>
                 <a:uFill>
                   <a:solidFill>
                     <a:srgbClr val="ffffff"/>
                   </a:solidFill>
                 </a:uFill>
-                <a:latin typeface="Calibri"/>
+                <a:latin typeface="Arial"/>
               </a:rPr>
               <a:t>Second Outline Level</a:t>
             </a:r>
-            <a:endParaRPr b="0" lang="es-CR" sz="2000" spc="-1" strike="noStrike">
-              <a:solidFill>
-                <a:srgbClr val="000000"/>
-              </a:solidFill>
-              <a:uFill>
-                <a:solidFill>
-                  <a:srgbClr val="ffffff"/>
-                </a:solidFill>
-              </a:uFill>
-              <a:latin typeface="Calibri"/>
+            <a:endParaRPr b="0" lang="en-US" sz="2800" spc="-1" strike="noStrike">
+              <a:solidFill>
+                <a:srgbClr val="ffffff"/>
+              </a:solidFill>
+              <a:uFill>
+                <a:solidFill>
+                  <a:srgbClr val="ffffff"/>
+                </a:solidFill>
+              </a:uFill>
+              <a:latin typeface="Arial"/>
             </a:endParaRPr>
           </a:p>
           <a:p>
@@ -3290,29 +3132,29 @@
               <a:buChar char=""/>
             </a:pPr>
             <a:r>
-              <a:rPr b="0" lang="es-CR" sz="1800" spc="-1" strike="noStrike">
-                <a:solidFill>
-                  <a:srgbClr val="000000"/>
+              <a:rPr b="0" lang="en-US" sz="2400" spc="-1" strike="noStrike">
+                <a:solidFill>
+                  <a:srgbClr val="ffffff"/>
                 </a:solidFill>
                 <a:uFill>
                   <a:solidFill>
                     <a:srgbClr val="ffffff"/>
                   </a:solidFill>
                 </a:uFill>
-                <a:latin typeface="Calibri"/>
+                <a:latin typeface="Arial"/>
               </a:rPr>
               <a:t>Third Outline Level</a:t>
             </a:r>
-            <a:endParaRPr b="0" lang="es-CR" sz="1800" spc="-1" strike="noStrike">
-              <a:solidFill>
-                <a:srgbClr val="000000"/>
-              </a:solidFill>
-              <a:uFill>
-                <a:solidFill>
-                  <a:srgbClr val="ffffff"/>
-                </a:solidFill>
-              </a:uFill>
-              <a:latin typeface="Calibri"/>
+            <a:endParaRPr b="0" lang="en-US" sz="2400" spc="-1" strike="noStrike">
+              <a:solidFill>
+                <a:srgbClr val="ffffff"/>
+              </a:solidFill>
+              <a:uFill>
+                <a:solidFill>
+                  <a:srgbClr val="ffffff"/>
+                </a:solidFill>
+              </a:uFill>
+              <a:latin typeface="Arial"/>
             </a:endParaRPr>
           </a:p>
           <a:p>
@@ -3325,29 +3167,29 @@
               <a:buChar char=""/>
             </a:pPr>
             <a:r>
-              <a:rPr b="0" lang="es-CR" sz="1800" spc="-1" strike="noStrike">
-                <a:solidFill>
-                  <a:srgbClr val="000000"/>
+              <a:rPr b="0" lang="en-US" sz="2000" spc="-1" strike="noStrike">
+                <a:solidFill>
+                  <a:srgbClr val="ffffff"/>
                 </a:solidFill>
                 <a:uFill>
                   <a:solidFill>
                     <a:srgbClr val="ffffff"/>
                   </a:solidFill>
                 </a:uFill>
-                <a:latin typeface="Calibri"/>
+                <a:latin typeface="Arial"/>
               </a:rPr>
               <a:t>Fourth Outline Level</a:t>
             </a:r>
-            <a:endParaRPr b="0" lang="es-CR" sz="1800" spc="-1" strike="noStrike">
-              <a:solidFill>
-                <a:srgbClr val="000000"/>
-              </a:solidFill>
-              <a:uFill>
-                <a:solidFill>
-                  <a:srgbClr val="ffffff"/>
-                </a:solidFill>
-              </a:uFill>
-              <a:latin typeface="Calibri"/>
+            <a:endParaRPr b="0" lang="en-US" sz="2000" spc="-1" strike="noStrike">
+              <a:solidFill>
+                <a:srgbClr val="ffffff"/>
+              </a:solidFill>
+              <a:uFill>
+                <a:solidFill>
+                  <a:srgbClr val="ffffff"/>
+                </a:solidFill>
+              </a:uFill>
+              <a:latin typeface="Arial"/>
             </a:endParaRPr>
           </a:p>
           <a:p>
@@ -3360,29 +3202,29 @@
               <a:buChar char=""/>
             </a:pPr>
             <a:r>
-              <a:rPr b="0" lang="es-CR" sz="2000" spc="-1" strike="noStrike">
-                <a:solidFill>
-                  <a:srgbClr val="000000"/>
+              <a:rPr b="0" lang="en-US" sz="2000" spc="-1" strike="noStrike">
+                <a:solidFill>
+                  <a:srgbClr val="ffffff"/>
                 </a:solidFill>
                 <a:uFill>
                   <a:solidFill>
                     <a:srgbClr val="ffffff"/>
                   </a:solidFill>
                 </a:uFill>
-                <a:latin typeface="Calibri"/>
+                <a:latin typeface="Arial"/>
               </a:rPr>
               <a:t>Fifth Outline Level</a:t>
             </a:r>
-            <a:endParaRPr b="0" lang="es-CR" sz="2000" spc="-1" strike="noStrike">
-              <a:solidFill>
-                <a:srgbClr val="000000"/>
-              </a:solidFill>
-              <a:uFill>
-                <a:solidFill>
-                  <a:srgbClr val="ffffff"/>
-                </a:solidFill>
-              </a:uFill>
-              <a:latin typeface="Calibri"/>
+            <a:endParaRPr b="0" lang="en-US" sz="2000" spc="-1" strike="noStrike">
+              <a:solidFill>
+                <a:srgbClr val="ffffff"/>
+              </a:solidFill>
+              <a:uFill>
+                <a:solidFill>
+                  <a:srgbClr val="ffffff"/>
+                </a:solidFill>
+              </a:uFill>
+              <a:latin typeface="Arial"/>
             </a:endParaRPr>
           </a:p>
           <a:p>
@@ -3395,29 +3237,29 @@
               <a:buChar char=""/>
             </a:pPr>
             <a:r>
-              <a:rPr b="0" lang="es-CR" sz="2000" spc="-1" strike="noStrike">
-                <a:solidFill>
-                  <a:srgbClr val="000000"/>
+              <a:rPr b="0" lang="en-US" sz="2000" spc="-1" strike="noStrike">
+                <a:solidFill>
+                  <a:srgbClr val="ffffff"/>
                 </a:solidFill>
                 <a:uFill>
                   <a:solidFill>
                     <a:srgbClr val="ffffff"/>
                   </a:solidFill>
                 </a:uFill>
-                <a:latin typeface="Calibri"/>
+                <a:latin typeface="Arial"/>
               </a:rPr>
               <a:t>Sixth Outline Level</a:t>
             </a:r>
-            <a:endParaRPr b="0" lang="es-CR" sz="2000" spc="-1" strike="noStrike">
-              <a:solidFill>
-                <a:srgbClr val="000000"/>
-              </a:solidFill>
-              <a:uFill>
-                <a:solidFill>
-                  <a:srgbClr val="ffffff"/>
-                </a:solidFill>
-              </a:uFill>
-              <a:latin typeface="Calibri"/>
+            <a:endParaRPr b="0" lang="en-US" sz="2000" spc="-1" strike="noStrike">
+              <a:solidFill>
+                <a:srgbClr val="ffffff"/>
+              </a:solidFill>
+              <a:uFill>
+                <a:solidFill>
+                  <a:srgbClr val="ffffff"/>
+                </a:solidFill>
+              </a:uFill>
+              <a:latin typeface="Arial"/>
             </a:endParaRPr>
           </a:p>
           <a:p>
@@ -3430,29 +3272,29 @@
               <a:buChar char=""/>
             </a:pPr>
             <a:r>
-              <a:rPr b="0" lang="es-CR" sz="2000" spc="-1" strike="noStrike">
-                <a:solidFill>
-                  <a:srgbClr val="000000"/>
+              <a:rPr b="0" lang="en-US" sz="2000" spc="-1" strike="noStrike">
+                <a:solidFill>
+                  <a:srgbClr val="ffffff"/>
                 </a:solidFill>
                 <a:uFill>
                   <a:solidFill>
                     <a:srgbClr val="ffffff"/>
                   </a:solidFill>
                 </a:uFill>
-                <a:latin typeface="Calibri"/>
+                <a:latin typeface="Arial"/>
               </a:rPr>
               <a:t>Seventh Outline Level</a:t>
             </a:r>
-            <a:endParaRPr b="0" lang="es-CR" sz="2000" spc="-1" strike="noStrike">
-              <a:solidFill>
-                <a:srgbClr val="000000"/>
-              </a:solidFill>
-              <a:uFill>
-                <a:solidFill>
-                  <a:srgbClr val="ffffff"/>
-                </a:solidFill>
-              </a:uFill>
-              <a:latin typeface="Calibri"/>
+            <a:endParaRPr b="0" lang="en-US" sz="2000" spc="-1" strike="noStrike">
+              <a:solidFill>
+                <a:srgbClr val="ffffff"/>
+              </a:solidFill>
+              <a:uFill>
+                <a:solidFill>
+                  <a:srgbClr val="ffffff"/>
+                </a:solidFill>
+              </a:uFill>
+              <a:latin typeface="Arial"/>
             </a:endParaRPr>
           </a:p>
         </p:txBody>
@@ -3503,7 +3345,7 @@
       </p:grpSpPr>
       <p:sp>
         <p:nvSpPr>
-          <p:cNvPr id="39" name="PlaceHolder 1"/>
+          <p:cNvPr id="36" name="PlaceHolder 1"/>
           <p:cNvSpPr>
             <a:spLocks noGrp="1"/>
           </p:cNvSpPr>
@@ -3513,52 +3355,48 @@
         </p:nvSpPr>
         <p:spPr>
           <a:xfrm>
-            <a:off x="838080" y="365040"/>
-            <a:ext cx="10515240" cy="1325160"/>
-          </a:xfrm>
-          <a:prstGeom prst="rect">
-            <a:avLst/>
-          </a:prstGeom>
-        </p:spPr>
-        <p:txBody>
-          <a:bodyPr anchor="ctr"/>
-          <a:p>
-            <a:pPr>
-              <a:lnSpc>
-                <a:spcPct val="90000"/>
-              </a:lnSpc>
-            </a:pPr>
+            <a:off x="609480" y="273600"/>
+            <a:ext cx="10972440" cy="1144800"/>
+          </a:xfrm>
+          <a:prstGeom prst="rect">
+            <a:avLst/>
+          </a:prstGeom>
+        </p:spPr>
+        <p:txBody>
+          <a:bodyPr lIns="0" rIns="0" tIns="0" bIns="0" anchor="ctr"/>
+          <a:p>
+            <a:pPr algn="ctr"/>
             <a:r>
-              <a:rPr b="0" lang="es-CR" sz="4400" spc="-1" strike="noStrike">
-                <a:solidFill>
-                  <a:srgbClr val="000000"/>
+              <a:rPr b="0" lang="en-US" sz="4400" spc="-1" strike="noStrike">
+                <a:solidFill>
+                  <a:srgbClr val="ffffff"/>
                 </a:solidFill>
                 <a:uFill>
                   <a:solidFill>
                     <a:srgbClr val="ffffff"/>
                   </a:solidFill>
                 </a:uFill>
-                <a:latin typeface="Calibri Light"/>
+                <a:latin typeface="Arial"/>
               </a:rPr>
-              <a:t>Click to edit Master title style</a:t>
+              <a:t>Click to edit the title text format</a:t>
             </a:r>
-            <a:endParaRPr b="0" lang="es-CR" sz="1800" spc="-1" strike="noStrike">
-              <a:solidFill>
-                <a:srgbClr val="000000"/>
-              </a:solidFill>
-              <a:uFill>
-                <a:solidFill>
-                  <a:srgbClr val="ffffff"/>
-                </a:solidFill>
-              </a:uFill>
-              <a:latin typeface="Calibri"/>
-            </a:endParaRPr>
-          </a:p>
-        </p:txBody>
-      </p:sp>
-      <p:sp>
-        <p:nvSpPr>
-          <p:cNvPr id="40" name="PlaceHolder 2"/>
+            <a:endParaRPr b="0" lang="en-US" sz="4400" spc="-1" strike="noStrike">
+              <a:solidFill>
+                <a:srgbClr val="ffffff"/>
+              </a:solidFill>
+              <a:uFill>
+                <a:solidFill>
+                  <a:srgbClr val="ffffff"/>
+                </a:solidFill>
+              </a:uFill>
+              <a:latin typeface="Arial"/>
+            </a:endParaRPr>
+          </a:p>
+        </p:txBody>
+      </p:sp>
+      <p:sp>
+        <p:nvSpPr>
+          <p:cNvPr id="37" name="PlaceHolder 2"/>
           <p:cNvSpPr>
             <a:spLocks noGrp="1"/>
           </p:cNvSpPr>
@@ -3568,15 +3406,15 @@
         </p:nvSpPr>
         <p:spPr>
           <a:xfrm>
-            <a:off x="838080" y="1825560"/>
-            <a:ext cx="10515240" cy="4350960"/>
-          </a:xfrm>
-          <a:prstGeom prst="rect">
-            <a:avLst/>
-          </a:prstGeom>
-        </p:spPr>
-        <p:txBody>
-          <a:bodyPr/>
+            <a:off x="609480" y="1604520"/>
+            <a:ext cx="10972440" cy="3977280"/>
+          </a:xfrm>
+          <a:prstGeom prst="rect">
+            <a:avLst/>
+          </a:prstGeom>
+        </p:spPr>
+        <p:txBody>
+          <a:bodyPr lIns="0" rIns="0" tIns="0" bIns="0"/>
           <a:p>
             <a:pPr marL="432000" indent="-324000">
               <a:buClr>
@@ -3587,29 +3425,29 @@
               <a:buChar char=""/>
             </a:pPr>
             <a:r>
-              <a:rPr b="0" lang="es-CR" sz="2800" spc="-1" strike="noStrike">
-                <a:solidFill>
-                  <a:srgbClr val="000000"/>
+              <a:rPr b="0" lang="en-US" sz="3200" spc="-1" strike="noStrike">
+                <a:solidFill>
+                  <a:srgbClr val="ffffff"/>
                 </a:solidFill>
                 <a:uFill>
                   <a:solidFill>
                     <a:srgbClr val="ffffff"/>
                   </a:solidFill>
                 </a:uFill>
-                <a:latin typeface="Calibri"/>
+                <a:latin typeface="Arial"/>
               </a:rPr>
               <a:t>Click to edit the outline text format</a:t>
             </a:r>
-            <a:endParaRPr b="0" lang="es-CR" sz="2800" spc="-1" strike="noStrike">
-              <a:solidFill>
-                <a:srgbClr val="000000"/>
-              </a:solidFill>
-              <a:uFill>
-                <a:solidFill>
-                  <a:srgbClr val="ffffff"/>
-                </a:solidFill>
-              </a:uFill>
-              <a:latin typeface="Calibri"/>
+            <a:endParaRPr b="0" lang="en-US" sz="3200" spc="-1" strike="noStrike">
+              <a:solidFill>
+                <a:srgbClr val="ffffff"/>
+              </a:solidFill>
+              <a:uFill>
+                <a:solidFill>
+                  <a:srgbClr val="ffffff"/>
+                </a:solidFill>
+              </a:uFill>
+              <a:latin typeface="Arial"/>
             </a:endParaRPr>
           </a:p>
           <a:p>
@@ -3622,29 +3460,29 @@
               <a:buChar char=""/>
             </a:pPr>
             <a:r>
-              <a:rPr b="0" lang="es-CR" sz="2800" spc="-1" strike="noStrike">
-                <a:solidFill>
-                  <a:srgbClr val="000000"/>
+              <a:rPr b="0" lang="en-US" sz="2800" spc="-1" strike="noStrike">
+                <a:solidFill>
+                  <a:srgbClr val="ffffff"/>
                 </a:solidFill>
                 <a:uFill>
                   <a:solidFill>
                     <a:srgbClr val="ffffff"/>
                   </a:solidFill>
                 </a:uFill>
-                <a:latin typeface="Calibri"/>
+                <a:latin typeface="Arial"/>
               </a:rPr>
               <a:t>Second Outline Level</a:t>
             </a:r>
-            <a:endParaRPr b="0" lang="es-CR" sz="2800" spc="-1" strike="noStrike">
-              <a:solidFill>
-                <a:srgbClr val="000000"/>
-              </a:solidFill>
-              <a:uFill>
-                <a:solidFill>
-                  <a:srgbClr val="ffffff"/>
-                </a:solidFill>
-              </a:uFill>
-              <a:latin typeface="Calibri"/>
+            <a:endParaRPr b="0" lang="en-US" sz="2800" spc="-1" strike="noStrike">
+              <a:solidFill>
+                <a:srgbClr val="ffffff"/>
+              </a:solidFill>
+              <a:uFill>
+                <a:solidFill>
+                  <a:srgbClr val="ffffff"/>
+                </a:solidFill>
+              </a:uFill>
+              <a:latin typeface="Arial"/>
             </a:endParaRPr>
           </a:p>
           <a:p>
@@ -3657,29 +3495,29 @@
               <a:buChar char=""/>
             </a:pPr>
             <a:r>
-              <a:rPr b="0" lang="es-CR" sz="2800" spc="-1" strike="noStrike">
-                <a:solidFill>
-                  <a:srgbClr val="000000"/>
+              <a:rPr b="0" lang="en-US" sz="2400" spc="-1" strike="noStrike">
+                <a:solidFill>
+                  <a:srgbClr val="ffffff"/>
                 </a:solidFill>
                 <a:uFill>
                   <a:solidFill>
                     <a:srgbClr val="ffffff"/>
                   </a:solidFill>
                 </a:uFill>
-                <a:latin typeface="Calibri"/>
+                <a:latin typeface="Arial"/>
               </a:rPr>
               <a:t>Third Outline Level</a:t>
             </a:r>
-            <a:endParaRPr b="0" lang="es-CR" sz="2800" spc="-1" strike="noStrike">
-              <a:solidFill>
-                <a:srgbClr val="000000"/>
-              </a:solidFill>
-              <a:uFill>
-                <a:solidFill>
-                  <a:srgbClr val="ffffff"/>
-                </a:solidFill>
-              </a:uFill>
-              <a:latin typeface="Calibri"/>
+            <a:endParaRPr b="0" lang="en-US" sz="2400" spc="-1" strike="noStrike">
+              <a:solidFill>
+                <a:srgbClr val="ffffff"/>
+              </a:solidFill>
+              <a:uFill>
+                <a:solidFill>
+                  <a:srgbClr val="ffffff"/>
+                </a:solidFill>
+              </a:uFill>
+              <a:latin typeface="Arial"/>
             </a:endParaRPr>
           </a:p>
           <a:p>
@@ -3692,29 +3530,29 @@
               <a:buChar char=""/>
             </a:pPr>
             <a:r>
-              <a:rPr b="0" lang="es-CR" sz="2800" spc="-1" strike="noStrike">
-                <a:solidFill>
-                  <a:srgbClr val="000000"/>
+              <a:rPr b="0" lang="en-US" sz="2000" spc="-1" strike="noStrike">
+                <a:solidFill>
+                  <a:srgbClr val="ffffff"/>
                 </a:solidFill>
                 <a:uFill>
                   <a:solidFill>
                     <a:srgbClr val="ffffff"/>
                   </a:solidFill>
                 </a:uFill>
-                <a:latin typeface="Calibri"/>
+                <a:latin typeface="Arial"/>
               </a:rPr>
               <a:t>Fourth Outline Level</a:t>
             </a:r>
-            <a:endParaRPr b="0" lang="es-CR" sz="2800" spc="-1" strike="noStrike">
-              <a:solidFill>
-                <a:srgbClr val="000000"/>
-              </a:solidFill>
-              <a:uFill>
-                <a:solidFill>
-                  <a:srgbClr val="ffffff"/>
-                </a:solidFill>
-              </a:uFill>
-              <a:latin typeface="Calibri"/>
+            <a:endParaRPr b="0" lang="en-US" sz="2000" spc="-1" strike="noStrike">
+              <a:solidFill>
+                <a:srgbClr val="ffffff"/>
+              </a:solidFill>
+              <a:uFill>
+                <a:solidFill>
+                  <a:srgbClr val="ffffff"/>
+                </a:solidFill>
+              </a:uFill>
+              <a:latin typeface="Arial"/>
             </a:endParaRPr>
           </a:p>
           <a:p>
@@ -3727,29 +3565,29 @@
               <a:buChar char=""/>
             </a:pPr>
             <a:r>
-              <a:rPr b="0" lang="es-CR" sz="2800" spc="-1" strike="noStrike">
-                <a:solidFill>
-                  <a:srgbClr val="000000"/>
+              <a:rPr b="0" lang="en-US" sz="2000" spc="-1" strike="noStrike">
+                <a:solidFill>
+                  <a:srgbClr val="ffffff"/>
                 </a:solidFill>
                 <a:uFill>
                   <a:solidFill>
                     <a:srgbClr val="ffffff"/>
                   </a:solidFill>
                 </a:uFill>
-                <a:latin typeface="Calibri"/>
+                <a:latin typeface="Arial"/>
               </a:rPr>
               <a:t>Fifth Outline Level</a:t>
             </a:r>
-            <a:endParaRPr b="0" lang="es-CR" sz="2800" spc="-1" strike="noStrike">
-              <a:solidFill>
-                <a:srgbClr val="000000"/>
-              </a:solidFill>
-              <a:uFill>
-                <a:solidFill>
-                  <a:srgbClr val="ffffff"/>
-                </a:solidFill>
-              </a:uFill>
-              <a:latin typeface="Calibri"/>
+            <a:endParaRPr b="0" lang="en-US" sz="2000" spc="-1" strike="noStrike">
+              <a:solidFill>
+                <a:srgbClr val="ffffff"/>
+              </a:solidFill>
+              <a:uFill>
+                <a:solidFill>
+                  <a:srgbClr val="ffffff"/>
+                </a:solidFill>
+              </a:uFill>
+              <a:latin typeface="Arial"/>
             </a:endParaRPr>
           </a:p>
           <a:p>
@@ -3762,360 +3600,64 @@
               <a:buChar char=""/>
             </a:pPr>
             <a:r>
-              <a:rPr b="0" lang="es-CR" sz="2800" spc="-1" strike="noStrike">
-                <a:solidFill>
-                  <a:srgbClr val="000000"/>
+              <a:rPr b="0" lang="en-US" sz="2000" spc="-1" strike="noStrike">
+                <a:solidFill>
+                  <a:srgbClr val="ffffff"/>
                 </a:solidFill>
                 <a:uFill>
                   <a:solidFill>
                     <a:srgbClr val="ffffff"/>
                   </a:solidFill>
                 </a:uFill>
-                <a:latin typeface="Calibri"/>
+                <a:latin typeface="Arial"/>
               </a:rPr>
               <a:t>Sixth Outline Level</a:t>
             </a:r>
-            <a:endParaRPr b="0" lang="es-CR" sz="2800" spc="-1" strike="noStrike">
-              <a:solidFill>
-                <a:srgbClr val="000000"/>
-              </a:solidFill>
-              <a:uFill>
-                <a:solidFill>
-                  <a:srgbClr val="ffffff"/>
-                </a:solidFill>
-              </a:uFill>
-              <a:latin typeface="Calibri"/>
-            </a:endParaRPr>
-          </a:p>
-          <a:p>
-            <a:pPr marL="228600" indent="-228240">
-              <a:lnSpc>
-                <a:spcPct val="100000"/>
-              </a:lnSpc>
+            <a:endParaRPr b="0" lang="en-US" sz="2000" spc="-1" strike="noStrike">
+              <a:solidFill>
+                <a:srgbClr val="ffffff"/>
+              </a:solidFill>
+              <a:uFill>
+                <a:solidFill>
+                  <a:srgbClr val="ffffff"/>
+                </a:solidFill>
+              </a:uFill>
+              <a:latin typeface="Arial"/>
+            </a:endParaRPr>
+          </a:p>
+          <a:p>
+            <a:pPr lvl="6" marL="3024000" indent="-216000">
               <a:buClr>
-                <a:srgbClr val="000000"/>
+                <a:srgbClr val="ffffff"/>
               </a:buClr>
-              <a:buFont typeface="Arial"/>
-              <a:buChar char="•"/>
+              <a:buSzPct val="45000"/>
+              <a:buFont typeface="Wingdings" charset="2"/>
+              <a:buChar char=""/>
             </a:pPr>
             <a:r>
-              <a:rPr b="0" lang="es-CR" sz="2800" spc="-1" strike="noStrike">
-                <a:solidFill>
-                  <a:srgbClr val="000000"/>
+              <a:rPr b="0" lang="en-US" sz="2000" spc="-1" strike="noStrike">
+                <a:solidFill>
+                  <a:srgbClr val="ffffff"/>
                 </a:solidFill>
                 <a:uFill>
                   <a:solidFill>
                     <a:srgbClr val="ffffff"/>
                   </a:solidFill>
                 </a:uFill>
-                <a:latin typeface="Calibri"/>
+                <a:latin typeface="Arial"/>
               </a:rPr>
-              <a:t>Seventh Outline LevelClick to edit Master text styles</a:t>
+              <a:t>Seventh Outline Level</a:t>
             </a:r>
-            <a:endParaRPr b="0" lang="es-CR" sz="2800" spc="-1" strike="noStrike">
-              <a:solidFill>
-                <a:srgbClr val="000000"/>
-              </a:solidFill>
-              <a:uFill>
-                <a:solidFill>
-                  <a:srgbClr val="ffffff"/>
-                </a:solidFill>
-              </a:uFill>
-              <a:latin typeface="Calibri"/>
-            </a:endParaRPr>
-          </a:p>
-          <a:p>
-            <a:pPr lvl="1" marL="685800" indent="-228240">
-              <a:lnSpc>
-                <a:spcPct val="100000"/>
-              </a:lnSpc>
-              <a:buClr>
-                <a:srgbClr val="000000"/>
-              </a:buClr>
-              <a:buFont typeface="Arial"/>
-              <a:buChar char="•"/>
-            </a:pPr>
-            <a:r>
-              <a:rPr b="0" lang="es-CR" sz="2400" spc="-1" strike="noStrike">
-                <a:solidFill>
-                  <a:srgbClr val="000000"/>
-                </a:solidFill>
-                <a:uFill>
-                  <a:solidFill>
-                    <a:srgbClr val="ffffff"/>
-                  </a:solidFill>
-                </a:uFill>
-                <a:latin typeface="Calibri"/>
-              </a:rPr>
-              <a:t>Second level</a:t>
-            </a:r>
-            <a:endParaRPr b="0" lang="es-CR" sz="2800" spc="-1" strike="noStrike">
-              <a:solidFill>
-                <a:srgbClr val="000000"/>
-              </a:solidFill>
-              <a:uFill>
-                <a:solidFill>
-                  <a:srgbClr val="ffffff"/>
-                </a:solidFill>
-              </a:uFill>
-              <a:latin typeface="Calibri"/>
-            </a:endParaRPr>
-          </a:p>
-          <a:p>
-            <a:pPr lvl="2" marL="1143000" indent="-228240">
-              <a:lnSpc>
-                <a:spcPct val="100000"/>
-              </a:lnSpc>
-              <a:buClr>
-                <a:srgbClr val="000000"/>
-              </a:buClr>
-              <a:buFont typeface="Arial"/>
-              <a:buChar char="•"/>
-            </a:pPr>
-            <a:r>
-              <a:rPr b="0" lang="es-CR" sz="2000" spc="-1" strike="noStrike">
-                <a:solidFill>
-                  <a:srgbClr val="000000"/>
-                </a:solidFill>
-                <a:uFill>
-                  <a:solidFill>
-                    <a:srgbClr val="ffffff"/>
-                  </a:solidFill>
-                </a:uFill>
-                <a:latin typeface="Calibri"/>
-              </a:rPr>
-              <a:t>Third level</a:t>
-            </a:r>
-            <a:endParaRPr b="0" lang="es-CR" sz="2800" spc="-1" strike="noStrike">
-              <a:solidFill>
-                <a:srgbClr val="000000"/>
-              </a:solidFill>
-              <a:uFill>
-                <a:solidFill>
-                  <a:srgbClr val="ffffff"/>
-                </a:solidFill>
-              </a:uFill>
-              <a:latin typeface="Calibri"/>
-            </a:endParaRPr>
-          </a:p>
-          <a:p>
-            <a:pPr lvl="3" marL="1600200" indent="-228240">
-              <a:lnSpc>
-                <a:spcPct val="100000"/>
-              </a:lnSpc>
-              <a:buClr>
-                <a:srgbClr val="000000"/>
-              </a:buClr>
-              <a:buFont typeface="Arial"/>
-              <a:buChar char="•"/>
-            </a:pPr>
-            <a:r>
-              <a:rPr b="0" lang="es-CR" sz="1800" spc="-1" strike="noStrike">
-                <a:solidFill>
-                  <a:srgbClr val="000000"/>
-                </a:solidFill>
-                <a:uFill>
-                  <a:solidFill>
-                    <a:srgbClr val="ffffff"/>
-                  </a:solidFill>
-                </a:uFill>
-                <a:latin typeface="Calibri"/>
-              </a:rPr>
-              <a:t>Fourth level</a:t>
-            </a:r>
-            <a:endParaRPr b="0" lang="es-CR" sz="2800" spc="-1" strike="noStrike">
-              <a:solidFill>
-                <a:srgbClr val="000000"/>
-              </a:solidFill>
-              <a:uFill>
-                <a:solidFill>
-                  <a:srgbClr val="ffffff"/>
-                </a:solidFill>
-              </a:uFill>
-              <a:latin typeface="Calibri"/>
-            </a:endParaRPr>
-          </a:p>
-          <a:p>
-            <a:pPr lvl="4" marL="2057400" indent="-228240">
-              <a:lnSpc>
-                <a:spcPct val="100000"/>
-              </a:lnSpc>
-              <a:buClr>
-                <a:srgbClr val="000000"/>
-              </a:buClr>
-              <a:buFont typeface="Arial"/>
-              <a:buChar char="•"/>
-            </a:pPr>
-            <a:r>
-              <a:rPr b="0" lang="es-CR" sz="1800" spc="-1" strike="noStrike">
-                <a:solidFill>
-                  <a:srgbClr val="000000"/>
-                </a:solidFill>
-                <a:uFill>
-                  <a:solidFill>
-                    <a:srgbClr val="ffffff"/>
-                  </a:solidFill>
-                </a:uFill>
-                <a:latin typeface="Calibri"/>
-              </a:rPr>
-              <a:t>Fifth level</a:t>
-            </a:r>
-            <a:endParaRPr b="0" lang="es-CR" sz="2800" spc="-1" strike="noStrike">
-              <a:solidFill>
-                <a:srgbClr val="000000"/>
-              </a:solidFill>
-              <a:uFill>
-                <a:solidFill>
-                  <a:srgbClr val="ffffff"/>
-                </a:solidFill>
-              </a:uFill>
-              <a:latin typeface="Calibri"/>
-            </a:endParaRPr>
-          </a:p>
-        </p:txBody>
-      </p:sp>
-      <p:sp>
-        <p:nvSpPr>
-          <p:cNvPr id="41" name="PlaceHolder 3"/>
-          <p:cNvSpPr>
-            <a:spLocks noGrp="1"/>
-          </p:cNvSpPr>
-          <p:nvPr>
-            <p:ph type="dt"/>
-          </p:nvPr>
-        </p:nvSpPr>
-        <p:spPr>
-          <a:xfrm>
-            <a:off x="838080" y="6356520"/>
-            <a:ext cx="2742840" cy="364680"/>
-          </a:xfrm>
-          <a:prstGeom prst="rect">
-            <a:avLst/>
-          </a:prstGeom>
-        </p:spPr>
-        <p:txBody>
-          <a:bodyPr anchor="ctr"/>
-          <a:p>
-            <a:pPr>
-              <a:lnSpc>
-                <a:spcPct val="100000"/>
-              </a:lnSpc>
-            </a:pPr>
-            <a:r>
-              <a:rPr b="0" lang="en-US" sz="1200" spc="-1" strike="noStrike">
-                <a:solidFill>
-                  <a:srgbClr val="8b8b8b"/>
-                </a:solidFill>
-                <a:uFill>
-                  <a:solidFill>
-                    <a:srgbClr val="ffffff"/>
-                  </a:solidFill>
-                </a:uFill>
-                <a:latin typeface="Calibri"/>
-              </a:rPr>
-              <a:t>1/21/21</a:t>
-            </a:r>
-            <a:endParaRPr b="0" lang="en-US" sz="1400" spc="-1" strike="noStrike">
-              <a:solidFill>
-                <a:srgbClr val="ffffff"/>
-              </a:solidFill>
-              <a:uFill>
-                <a:solidFill>
-                  <a:srgbClr val="ffffff"/>
-                </a:solidFill>
-              </a:uFill>
-              <a:latin typeface="Times New Roman"/>
-            </a:endParaRPr>
-          </a:p>
-        </p:txBody>
-      </p:sp>
-      <p:sp>
-        <p:nvSpPr>
-          <p:cNvPr id="42" name="PlaceHolder 4"/>
-          <p:cNvSpPr>
-            <a:spLocks noGrp="1"/>
-          </p:cNvSpPr>
-          <p:nvPr>
-            <p:ph type="ftr"/>
-          </p:nvPr>
-        </p:nvSpPr>
-        <p:spPr>
-          <a:xfrm>
-            <a:off x="4038480" y="6356520"/>
-            <a:ext cx="4114440" cy="364680"/>
-          </a:xfrm>
-          <a:prstGeom prst="rect">
-            <a:avLst/>
-          </a:prstGeom>
-        </p:spPr>
-        <p:txBody>
-          <a:bodyPr anchor="ctr"/>
-          <a:p>
-            <a:endParaRPr b="0" lang="en-US" sz="2400" spc="-1" strike="noStrike">
-              <a:solidFill>
-                <a:srgbClr val="ffffff"/>
-              </a:solidFill>
-              <a:uFill>
-                <a:solidFill>
-                  <a:srgbClr val="ffffff"/>
-                </a:solidFill>
-              </a:uFill>
-              <a:latin typeface="Times New Roman"/>
-            </a:endParaRPr>
-          </a:p>
-        </p:txBody>
-      </p:sp>
-      <p:sp>
-        <p:nvSpPr>
-          <p:cNvPr id="43" name="PlaceHolder 5"/>
-          <p:cNvSpPr>
-            <a:spLocks noGrp="1"/>
-          </p:cNvSpPr>
-          <p:nvPr>
-            <p:ph type="sldNum"/>
-          </p:nvPr>
-        </p:nvSpPr>
-        <p:spPr>
-          <a:xfrm>
-            <a:off x="8610480" y="6356520"/>
-            <a:ext cx="2742840" cy="364680"/>
-          </a:xfrm>
-          <a:prstGeom prst="rect">
-            <a:avLst/>
-          </a:prstGeom>
-        </p:spPr>
-        <p:txBody>
-          <a:bodyPr anchor="ctr"/>
-          <a:p>
-            <a:pPr algn="r">
-              <a:lnSpc>
-                <a:spcPct val="100000"/>
-              </a:lnSpc>
-            </a:pPr>
-            <a:fld id="{D660838B-9DE5-4990-8F78-2C576B69CA71}" type="slidenum">
-              <a:rPr b="0" lang="en-US" sz="1200" spc="-1" strike="noStrike">
-                <a:solidFill>
-                  <a:srgbClr val="8b8b8b"/>
-                </a:solidFill>
-                <a:uFill>
-                  <a:solidFill>
-                    <a:srgbClr val="ffffff"/>
-                  </a:solidFill>
-                </a:uFill>
-                <a:latin typeface="Calibri"/>
-              </a:rPr>
-              <a:t>&lt;number&gt;</a:t>
-            </a:fld>
-            <a:endParaRPr b="0" lang="en-US" sz="1400" spc="-1" strike="noStrike">
-              <a:solidFill>
-                <a:srgbClr val="ffffff"/>
-              </a:solidFill>
-              <a:uFill>
-                <a:solidFill>
-                  <a:srgbClr val="ffffff"/>
-                </a:solidFill>
-              </a:uFill>
-              <a:latin typeface="Times New Roman"/>
+            <a:endParaRPr b="0" lang="en-US" sz="2000" spc="-1" strike="noStrike">
+              <a:solidFill>
+                <a:srgbClr val="ffffff"/>
+              </a:solidFill>
+              <a:uFill>
+                <a:solidFill>
+                  <a:srgbClr val="ffffff"/>
+                </a:solidFill>
+              </a:uFill>
+              <a:latin typeface="Arial"/>
             </a:endParaRPr>
           </a:p>
         </p:txBody>
@@ -4159,7 +3701,7 @@
       </p:grpSpPr>
       <p:pic>
         <p:nvPicPr>
-          <p:cNvPr id="78" name="Picture 4" descr=""/>
+          <p:cNvPr id="72" name="Picture 4" descr=""/>
           <p:cNvPicPr/>
           <p:nvPr/>
         </p:nvPicPr>
@@ -4170,7 +3712,7 @@
         <p:spPr>
           <a:xfrm>
             <a:off x="2803320" y="153000"/>
-            <a:ext cx="6585120" cy="6551640"/>
+            <a:ext cx="6584760" cy="6551280"/>
           </a:xfrm>
           <a:prstGeom prst="rect">
             <a:avLst/>
@@ -4280,7 +3822,7 @@
       </p:grpSpPr>
       <p:pic>
         <p:nvPicPr>
-          <p:cNvPr id="79" name="Picture 4" descr=""/>
+          <p:cNvPr id="73" name="Picture 4" descr=""/>
           <p:cNvPicPr/>
           <p:nvPr/>
         </p:nvPicPr>
@@ -4291,7 +3833,7 @@
         <p:spPr>
           <a:xfrm>
             <a:off x="2766600" y="199080"/>
-            <a:ext cx="6658560" cy="6658560"/>
+            <a:ext cx="6658200" cy="6658200"/>
           </a:xfrm>
           <a:prstGeom prst="rect">
             <a:avLst/>
@@ -4352,7 +3894,7 @@
       </p:grpSpPr>
       <p:pic>
         <p:nvPicPr>
-          <p:cNvPr id="80" name="Picture 4" descr=""/>
+          <p:cNvPr id="74" name="Picture 4" descr=""/>
           <p:cNvPicPr/>
           <p:nvPr/>
         </p:nvPicPr>
@@ -4363,7 +3905,7 @@
         <p:spPr>
           <a:xfrm>
             <a:off x="1320840" y="191880"/>
-            <a:ext cx="9737640" cy="6473520"/>
+            <a:ext cx="9737280" cy="6473160"/>
           </a:xfrm>
           <a:prstGeom prst="rect">
             <a:avLst/>
@@ -4424,7 +3966,7 @@
       </p:grpSpPr>
       <p:pic>
         <p:nvPicPr>
-          <p:cNvPr id="81" name="Picture 4" descr=""/>
+          <p:cNvPr id="75" name="Picture 4" descr=""/>
           <p:cNvPicPr/>
           <p:nvPr/>
         </p:nvPicPr>
@@ -4435,7 +3977,7 @@
         <p:spPr>
           <a:xfrm>
             <a:off x="3330360" y="314640"/>
-            <a:ext cx="6228360" cy="6228360"/>
+            <a:ext cx="6228000" cy="6228000"/>
           </a:xfrm>
           <a:prstGeom prst="rect">
             <a:avLst/>
@@ -4496,7 +4038,7 @@
       </p:grpSpPr>
       <p:pic>
         <p:nvPicPr>
-          <p:cNvPr id="82" name="Picture 4" descr=""/>
+          <p:cNvPr id="76" name="Picture 4" descr=""/>
           <p:cNvPicPr/>
           <p:nvPr/>
         </p:nvPicPr>
@@ -4507,7 +4049,7 @@
         <p:spPr>
           <a:xfrm>
             <a:off x="3556080" y="478440"/>
-            <a:ext cx="5900760" cy="5900760"/>
+            <a:ext cx="5900400" cy="5900400"/>
           </a:xfrm>
           <a:prstGeom prst="rect">
             <a:avLst/>
@@ -4568,7 +4110,7 @@
       </p:grpSpPr>
       <p:pic>
         <p:nvPicPr>
-          <p:cNvPr id="83" name="Picture 4" descr=""/>
+          <p:cNvPr id="77" name="Picture 4" descr=""/>
           <p:cNvPicPr/>
           <p:nvPr/>
         </p:nvPicPr>
@@ -4579,7 +4121,7 @@
         <p:spPr>
           <a:xfrm>
             <a:off x="3009960" y="343080"/>
-            <a:ext cx="6171840" cy="6171840"/>
+            <a:ext cx="6171480" cy="6171480"/>
           </a:xfrm>
           <a:prstGeom prst="rect">
             <a:avLst/>
@@ -4640,7 +4182,7 @@
       </p:grpSpPr>
       <p:pic>
         <p:nvPicPr>
-          <p:cNvPr id="84" name="Picture 4" descr=""/>
+          <p:cNvPr id="78" name="Picture 4" descr=""/>
           <p:cNvPicPr/>
           <p:nvPr/>
         </p:nvPicPr>
@@ -4651,7 +4193,7 @@
         <p:spPr>
           <a:xfrm>
             <a:off x="1456200" y="246960"/>
-            <a:ext cx="9617040" cy="6363720"/>
+            <a:ext cx="9616680" cy="6363360"/>
           </a:xfrm>
           <a:prstGeom prst="rect">
             <a:avLst/>
@@ -4712,7 +4254,7 @@
       </p:grpSpPr>
       <p:pic>
         <p:nvPicPr>
-          <p:cNvPr id="85" name="Picture 4" descr=""/>
+          <p:cNvPr id="79" name="Picture 4" descr=""/>
           <p:cNvPicPr/>
           <p:nvPr/>
         </p:nvPicPr>
@@ -4723,7 +4265,7 @@
         <p:spPr>
           <a:xfrm>
             <a:off x="3201840" y="534960"/>
-            <a:ext cx="5788080" cy="5788080"/>
+            <a:ext cx="5787720" cy="5787720"/>
           </a:xfrm>
           <a:prstGeom prst="rect">
             <a:avLst/>
@@ -4784,7 +4326,7 @@
       </p:grpSpPr>
       <p:pic>
         <p:nvPicPr>
-          <p:cNvPr id="86" name="Picture 3" descr=""/>
+          <p:cNvPr id="80" name="Picture 3" descr=""/>
           <p:cNvPicPr/>
           <p:nvPr/>
         </p:nvPicPr>
@@ -4794,8 +4336,8 @@
         </p:blipFill>
         <p:spPr>
           <a:xfrm rot="20538600">
-            <a:off x="1076760" y="1204560"/>
-            <a:ext cx="4448160" cy="4448160"/>
+            <a:off x="1076760" y="1204200"/>
+            <a:ext cx="4447800" cy="4447800"/>
           </a:xfrm>
           <a:prstGeom prst="rect">
             <a:avLst/>
@@ -4807,7 +4349,7 @@
       </p:pic>
       <p:pic>
         <p:nvPicPr>
-          <p:cNvPr id="87" name="Picture 5" descr=""/>
+          <p:cNvPr id="81" name="Picture 5" descr=""/>
           <p:cNvPicPr/>
           <p:nvPr/>
         </p:nvPicPr>
@@ -4817,8 +4359,8 @@
         </p:blipFill>
         <p:spPr>
           <a:xfrm rot="1380600">
-            <a:off x="5207400" y="1805040"/>
-            <a:ext cx="6204960" cy="3246120"/>
+            <a:off x="5207400" y="1804680"/>
+            <a:ext cx="6204600" cy="3245760"/>
           </a:xfrm>
           <a:prstGeom prst="rect">
             <a:avLst/>
@@ -4830,7 +4372,7 @@
       </p:pic>
       <p:pic>
         <p:nvPicPr>
-          <p:cNvPr id="88" name="Picture 7" descr=""/>
+          <p:cNvPr id="82" name="Picture 7" descr=""/>
           <p:cNvPicPr/>
           <p:nvPr/>
         </p:nvPicPr>
@@ -4842,7 +4384,7 @@
         <p:spPr>
           <a:xfrm>
             <a:off x="9490680" y="5919120"/>
-            <a:ext cx="2194920" cy="609120"/>
+            <a:ext cx="2194560" cy="608760"/>
           </a:xfrm>
           <a:prstGeom prst="rect">
             <a:avLst/>

--- a/presentacion_2_video.pptx
+++ b/presentacion_2_video.pptx
@@ -3006,8 +3006,8 @@
         </p:nvSpPr>
         <p:spPr>
           <a:xfrm>
-            <a:off x="838080" y="365040"/>
-            <a:ext cx="10514880" cy="1324800"/>
+            <a:off x="609480" y="273600"/>
+            <a:ext cx="10972080" cy="1144440"/>
           </a:xfrm>
           <a:prstGeom prst="rect">
             <a:avLst/>
@@ -3044,7 +3044,7 @@
         <p:spPr>
           <a:xfrm>
             <a:off x="609480" y="1604520"/>
-            <a:ext cx="10972440" cy="3977280"/>
+            <a:ext cx="10972080" cy="3976920"/>
           </a:xfrm>
           <a:prstGeom prst="rect">
             <a:avLst/>
@@ -3062,7 +3062,7 @@
               <a:buChar char=""/>
             </a:pPr>
             <a:r>
-              <a:rPr b="0" lang="en-US" sz="3200" spc="-1" strike="noStrike">
+              <a:rPr b="0" lang="en-US" sz="1800" spc="-1" strike="noStrike">
                 <a:solidFill>
                   <a:srgbClr val="ffffff"/>
                 </a:solidFill>
@@ -3075,7 +3075,7 @@
               </a:rPr>
               <a:t>Click to edit the outline text format</a:t>
             </a:r>
-            <a:endParaRPr b="0" lang="en-US" sz="3200" spc="-1" strike="noStrike">
+            <a:endParaRPr b="0" lang="en-US" sz="1800" spc="-1" strike="noStrike">
               <a:solidFill>
                 <a:srgbClr val="ffffff"/>
               </a:solidFill>
@@ -3097,7 +3097,7 @@
               <a:buChar char=""/>
             </a:pPr>
             <a:r>
-              <a:rPr b="0" lang="en-US" sz="2800" spc="-1" strike="noStrike">
+              <a:rPr b="0" lang="en-US" sz="1800" spc="-1" strike="noStrike">
                 <a:solidFill>
                   <a:srgbClr val="ffffff"/>
                 </a:solidFill>
@@ -3110,7 +3110,7 @@
               </a:rPr>
               <a:t>Second Outline Level</a:t>
             </a:r>
-            <a:endParaRPr b="0" lang="en-US" sz="2800" spc="-1" strike="noStrike">
+            <a:endParaRPr b="0" lang="en-US" sz="1800" spc="-1" strike="noStrike">
               <a:solidFill>
                 <a:srgbClr val="ffffff"/>
               </a:solidFill>
@@ -3132,7 +3132,7 @@
               <a:buChar char=""/>
             </a:pPr>
             <a:r>
-              <a:rPr b="0" lang="en-US" sz="2400" spc="-1" strike="noStrike">
+              <a:rPr b="0" lang="en-US" sz="1800" spc="-1" strike="noStrike">
                 <a:solidFill>
                   <a:srgbClr val="ffffff"/>
                 </a:solidFill>
@@ -3145,7 +3145,7 @@
               </a:rPr>
               <a:t>Third Outline Level</a:t>
             </a:r>
-            <a:endParaRPr b="0" lang="en-US" sz="2400" spc="-1" strike="noStrike">
+            <a:endParaRPr b="0" lang="en-US" sz="1800" spc="-1" strike="noStrike">
               <a:solidFill>
                 <a:srgbClr val="ffffff"/>
               </a:solidFill>
@@ -3167,7 +3167,7 @@
               <a:buChar char=""/>
             </a:pPr>
             <a:r>
-              <a:rPr b="0" lang="en-US" sz="2000" spc="-1" strike="noStrike">
+              <a:rPr b="0" lang="en-US" sz="1800" spc="-1" strike="noStrike">
                 <a:solidFill>
                   <a:srgbClr val="ffffff"/>
                 </a:solidFill>
@@ -3180,7 +3180,7 @@
               </a:rPr>
               <a:t>Fourth Outline Level</a:t>
             </a:r>
-            <a:endParaRPr b="0" lang="en-US" sz="2000" spc="-1" strike="noStrike">
+            <a:endParaRPr b="0" lang="en-US" sz="1800" spc="-1" strike="noStrike">
               <a:solidFill>
                 <a:srgbClr val="ffffff"/>
               </a:solidFill>
@@ -3202,7 +3202,7 @@
               <a:buChar char=""/>
             </a:pPr>
             <a:r>
-              <a:rPr b="0" lang="en-US" sz="2000" spc="-1" strike="noStrike">
+              <a:rPr b="0" lang="en-US" sz="1800" spc="-1" strike="noStrike">
                 <a:solidFill>
                   <a:srgbClr val="ffffff"/>
                 </a:solidFill>
@@ -3215,7 +3215,7 @@
               </a:rPr>
               <a:t>Fifth Outline Level</a:t>
             </a:r>
-            <a:endParaRPr b="0" lang="en-US" sz="2000" spc="-1" strike="noStrike">
+            <a:endParaRPr b="0" lang="en-US" sz="1800" spc="-1" strike="noStrike">
               <a:solidFill>
                 <a:srgbClr val="ffffff"/>
               </a:solidFill>
@@ -3237,7 +3237,7 @@
               <a:buChar char=""/>
             </a:pPr>
             <a:r>
-              <a:rPr b="0" lang="en-US" sz="2000" spc="-1" strike="noStrike">
+              <a:rPr b="0" lang="en-US" sz="1800" spc="-1" strike="noStrike">
                 <a:solidFill>
                   <a:srgbClr val="ffffff"/>
                 </a:solidFill>
@@ -3250,7 +3250,7 @@
               </a:rPr>
               <a:t>Sixth Outline Level</a:t>
             </a:r>
-            <a:endParaRPr b="0" lang="en-US" sz="2000" spc="-1" strike="noStrike">
+            <a:endParaRPr b="0" lang="en-US" sz="1800" spc="-1" strike="noStrike">
               <a:solidFill>
                 <a:srgbClr val="ffffff"/>
               </a:solidFill>
@@ -3272,7 +3272,7 @@
               <a:buChar char=""/>
             </a:pPr>
             <a:r>
-              <a:rPr b="0" lang="en-US" sz="2000" spc="-1" strike="noStrike">
+              <a:rPr b="0" lang="en-US" sz="1800" spc="-1" strike="noStrike">
                 <a:solidFill>
                   <a:srgbClr val="ffffff"/>
                 </a:solidFill>
@@ -3285,7 +3285,7 @@
               </a:rPr>
               <a:t>Seventh Outline Level</a:t>
             </a:r>
-            <a:endParaRPr b="0" lang="en-US" sz="2000" spc="-1" strike="noStrike">
+            <a:endParaRPr b="0" lang="en-US" sz="1800" spc="-1" strike="noStrike">
               <a:solidFill>
                 <a:srgbClr val="ffffff"/>
               </a:solidFill>
@@ -3712,7 +3712,7 @@
         <p:spPr>
           <a:xfrm>
             <a:off x="2803320" y="153000"/>
-            <a:ext cx="6584760" cy="6551280"/>
+            <a:ext cx="6584400" cy="6550920"/>
           </a:xfrm>
           <a:prstGeom prst="rect">
             <a:avLst/>
@@ -3833,7 +3833,7 @@
         <p:spPr>
           <a:xfrm>
             <a:off x="2766600" y="199080"/>
-            <a:ext cx="6658200" cy="6658200"/>
+            <a:ext cx="6657840" cy="6657840"/>
           </a:xfrm>
           <a:prstGeom prst="rect">
             <a:avLst/>
@@ -3905,7 +3905,7 @@
         <p:spPr>
           <a:xfrm>
             <a:off x="1320840" y="191880"/>
-            <a:ext cx="9737280" cy="6473160"/>
+            <a:ext cx="9736920" cy="6472800"/>
           </a:xfrm>
           <a:prstGeom prst="rect">
             <a:avLst/>
@@ -3977,7 +3977,7 @@
         <p:spPr>
           <a:xfrm>
             <a:off x="3330360" y="314640"/>
-            <a:ext cx="6228000" cy="6228000"/>
+            <a:ext cx="6227640" cy="6227640"/>
           </a:xfrm>
           <a:prstGeom prst="rect">
             <a:avLst/>
@@ -4049,7 +4049,7 @@
         <p:spPr>
           <a:xfrm>
             <a:off x="3556080" y="478440"/>
-            <a:ext cx="5900400" cy="5900400"/>
+            <a:ext cx="5900040" cy="5900040"/>
           </a:xfrm>
           <a:prstGeom prst="rect">
             <a:avLst/>
@@ -4121,7 +4121,7 @@
         <p:spPr>
           <a:xfrm>
             <a:off x="3009960" y="343080"/>
-            <a:ext cx="6171480" cy="6171480"/>
+            <a:ext cx="6171120" cy="6171120"/>
           </a:xfrm>
           <a:prstGeom prst="rect">
             <a:avLst/>
@@ -4193,7 +4193,7 @@
         <p:spPr>
           <a:xfrm>
             <a:off x="1456200" y="246960"/>
-            <a:ext cx="9616680" cy="6363360"/>
+            <a:ext cx="9616320" cy="6363000"/>
           </a:xfrm>
           <a:prstGeom prst="rect">
             <a:avLst/>
@@ -4265,7 +4265,7 @@
         <p:spPr>
           <a:xfrm>
             <a:off x="3201840" y="534960"/>
-            <a:ext cx="5787720" cy="5787720"/>
+            <a:ext cx="5787360" cy="5787360"/>
           </a:xfrm>
           <a:prstGeom prst="rect">
             <a:avLst/>
@@ -4336,8 +4336,8 @@
         </p:blipFill>
         <p:spPr>
           <a:xfrm rot="20538600">
-            <a:off x="1076760" y="1204200"/>
-            <a:ext cx="4447800" cy="4447800"/>
+            <a:off x="1076400" y="1203840"/>
+            <a:ext cx="4447440" cy="4447440"/>
           </a:xfrm>
           <a:prstGeom prst="rect">
             <a:avLst/>
@@ -4359,8 +4359,8 @@
         </p:blipFill>
         <p:spPr>
           <a:xfrm rot="1380600">
-            <a:off x="5207400" y="1804680"/>
-            <a:ext cx="6204600" cy="3245760"/>
+            <a:off x="5207400" y="1804320"/>
+            <a:ext cx="6204240" cy="3245400"/>
           </a:xfrm>
           <a:prstGeom prst="rect">
             <a:avLst/>
@@ -4384,7 +4384,7 @@
         <p:spPr>
           <a:xfrm>
             <a:off x="9490680" y="5919120"/>
-            <a:ext cx="2194560" cy="608760"/>
+            <a:ext cx="2194200" cy="608400"/>
           </a:xfrm>
           <a:prstGeom prst="rect">
             <a:avLst/>
